--- a/JBNU_Statistics_Ph.D/Ph.D dissertation/학위논문심사/학위논문작성/그림2.pptx
+++ b/JBNU_Statistics_Ph.D/Ph.D dissertation/학위논문심사/학위논문작성/그림2.pptx
@@ -104,11 +104,6 @@
       </a:defRPr>
     </a:lvl9pPr>
   </p:defaultTextStyle>
-  <p:extLst>
-    <p:ext uri="{EFAFB233-063F-42B5-8137-9DF3F51BA10A}">
-      <p15:sldGuideLst xmlns:p15="http://schemas.microsoft.com/office/powerpoint/2012/main"/>
-    </p:ext>
-  </p:extLst>
 </p:presentation>
 </file>
 
@@ -241,9 +236,9 @@
           <a:bodyPr/>
           <a:lstStyle/>
           <a:p>
-            <a:fld id="{B0D44428-6A9F-40D1-A27D-D805992CA982}" type="datetimeFigureOut">
-              <a:rPr lang="ko-KR" altLang="en-US" smtClean="0"/>
-              <a:t>2021-10-31</a:t>
+            <a:fld id="{8AFE6F3F-10B5-4B1C-BB68-EEEA59DAD24E}" type="datetimeFigureOut">
+              <a:rPr lang="ko-KR" altLang="en-US" smtClean="0"/>
+              <a:t>2021-10-29</a:t>
             </a:fld>
             <a:endParaRPr lang="ko-KR" altLang="en-US"/>
           </a:p>
@@ -283,7 +278,7 @@
           <a:bodyPr/>
           <a:lstStyle/>
           <a:p>
-            <a:fld id="{708195CE-50F2-4CE5-B582-82CBDE26A06A}" type="slidenum">
+            <a:fld id="{59207AAD-AB7C-4AB4-BC3A-DC74B566E344}" type="slidenum">
               <a:rPr lang="ko-KR" altLang="en-US" smtClean="0"/>
               <a:t>‹#›</a:t>
             </a:fld>
@@ -294,7 +289,7 @@
     </p:spTree>
     <p:extLst>
       <p:ext uri="{BB962C8B-B14F-4D97-AF65-F5344CB8AC3E}">
-        <p14:creationId xmlns:p14="http://schemas.microsoft.com/office/powerpoint/2010/main" val="3744016266"/>
+        <p14:creationId xmlns:p14="http://schemas.microsoft.com/office/powerpoint/2010/main" val="1018482188"/>
       </p:ext>
     </p:extLst>
   </p:cSld>
@@ -411,9 +406,9 @@
           <a:bodyPr/>
           <a:lstStyle/>
           <a:p>
-            <a:fld id="{B0D44428-6A9F-40D1-A27D-D805992CA982}" type="datetimeFigureOut">
-              <a:rPr lang="ko-KR" altLang="en-US" smtClean="0"/>
-              <a:t>2021-10-31</a:t>
+            <a:fld id="{8AFE6F3F-10B5-4B1C-BB68-EEEA59DAD24E}" type="datetimeFigureOut">
+              <a:rPr lang="ko-KR" altLang="en-US" smtClean="0"/>
+              <a:t>2021-10-29</a:t>
             </a:fld>
             <a:endParaRPr lang="ko-KR" altLang="en-US"/>
           </a:p>
@@ -453,7 +448,7 @@
           <a:bodyPr/>
           <a:lstStyle/>
           <a:p>
-            <a:fld id="{708195CE-50F2-4CE5-B582-82CBDE26A06A}" type="slidenum">
+            <a:fld id="{59207AAD-AB7C-4AB4-BC3A-DC74B566E344}" type="slidenum">
               <a:rPr lang="ko-KR" altLang="en-US" smtClean="0"/>
               <a:t>‹#›</a:t>
             </a:fld>
@@ -464,7 +459,7 @@
     </p:spTree>
     <p:extLst>
       <p:ext uri="{BB962C8B-B14F-4D97-AF65-F5344CB8AC3E}">
-        <p14:creationId xmlns:p14="http://schemas.microsoft.com/office/powerpoint/2010/main" val="2789350769"/>
+        <p14:creationId xmlns:p14="http://schemas.microsoft.com/office/powerpoint/2010/main" val="2288184153"/>
       </p:ext>
     </p:extLst>
   </p:cSld>
@@ -591,9 +586,9 @@
           <a:bodyPr/>
           <a:lstStyle/>
           <a:p>
-            <a:fld id="{B0D44428-6A9F-40D1-A27D-D805992CA982}" type="datetimeFigureOut">
-              <a:rPr lang="ko-KR" altLang="en-US" smtClean="0"/>
-              <a:t>2021-10-31</a:t>
+            <a:fld id="{8AFE6F3F-10B5-4B1C-BB68-EEEA59DAD24E}" type="datetimeFigureOut">
+              <a:rPr lang="ko-KR" altLang="en-US" smtClean="0"/>
+              <a:t>2021-10-29</a:t>
             </a:fld>
             <a:endParaRPr lang="ko-KR" altLang="en-US"/>
           </a:p>
@@ -633,7 +628,7 @@
           <a:bodyPr/>
           <a:lstStyle/>
           <a:p>
-            <a:fld id="{708195CE-50F2-4CE5-B582-82CBDE26A06A}" type="slidenum">
+            <a:fld id="{59207AAD-AB7C-4AB4-BC3A-DC74B566E344}" type="slidenum">
               <a:rPr lang="ko-KR" altLang="en-US" smtClean="0"/>
               <a:t>‹#›</a:t>
             </a:fld>
@@ -644,7 +639,7 @@
     </p:spTree>
     <p:extLst>
       <p:ext uri="{BB962C8B-B14F-4D97-AF65-F5344CB8AC3E}">
-        <p14:creationId xmlns:p14="http://schemas.microsoft.com/office/powerpoint/2010/main" val="3037013113"/>
+        <p14:creationId xmlns:p14="http://schemas.microsoft.com/office/powerpoint/2010/main" val="1651608040"/>
       </p:ext>
     </p:extLst>
   </p:cSld>
@@ -761,9 +756,9 @@
           <a:bodyPr/>
           <a:lstStyle/>
           <a:p>
-            <a:fld id="{B0D44428-6A9F-40D1-A27D-D805992CA982}" type="datetimeFigureOut">
-              <a:rPr lang="ko-KR" altLang="en-US" smtClean="0"/>
-              <a:t>2021-10-31</a:t>
+            <a:fld id="{8AFE6F3F-10B5-4B1C-BB68-EEEA59DAD24E}" type="datetimeFigureOut">
+              <a:rPr lang="ko-KR" altLang="en-US" smtClean="0"/>
+              <a:t>2021-10-29</a:t>
             </a:fld>
             <a:endParaRPr lang="ko-KR" altLang="en-US"/>
           </a:p>
@@ -803,7 +798,7 @@
           <a:bodyPr/>
           <a:lstStyle/>
           <a:p>
-            <a:fld id="{708195CE-50F2-4CE5-B582-82CBDE26A06A}" type="slidenum">
+            <a:fld id="{59207AAD-AB7C-4AB4-BC3A-DC74B566E344}" type="slidenum">
               <a:rPr lang="ko-KR" altLang="en-US" smtClean="0"/>
               <a:t>‹#›</a:t>
             </a:fld>
@@ -814,7 +809,7 @@
     </p:spTree>
     <p:extLst>
       <p:ext uri="{BB962C8B-B14F-4D97-AF65-F5344CB8AC3E}">
-        <p14:creationId xmlns:p14="http://schemas.microsoft.com/office/powerpoint/2010/main" val="593917343"/>
+        <p14:creationId xmlns:p14="http://schemas.microsoft.com/office/powerpoint/2010/main" val="651295670"/>
       </p:ext>
     </p:extLst>
   </p:cSld>
@@ -1007,9 +1002,9 @@
           <a:bodyPr/>
           <a:lstStyle/>
           <a:p>
-            <a:fld id="{B0D44428-6A9F-40D1-A27D-D805992CA982}" type="datetimeFigureOut">
-              <a:rPr lang="ko-KR" altLang="en-US" smtClean="0"/>
-              <a:t>2021-10-31</a:t>
+            <a:fld id="{8AFE6F3F-10B5-4B1C-BB68-EEEA59DAD24E}" type="datetimeFigureOut">
+              <a:rPr lang="ko-KR" altLang="en-US" smtClean="0"/>
+              <a:t>2021-10-29</a:t>
             </a:fld>
             <a:endParaRPr lang="ko-KR" altLang="en-US"/>
           </a:p>
@@ -1049,7 +1044,7 @@
           <a:bodyPr/>
           <a:lstStyle/>
           <a:p>
-            <a:fld id="{708195CE-50F2-4CE5-B582-82CBDE26A06A}" type="slidenum">
+            <a:fld id="{59207AAD-AB7C-4AB4-BC3A-DC74B566E344}" type="slidenum">
               <a:rPr lang="ko-KR" altLang="en-US" smtClean="0"/>
               <a:t>‹#›</a:t>
             </a:fld>
@@ -1060,7 +1055,7 @@
     </p:spTree>
     <p:extLst>
       <p:ext uri="{BB962C8B-B14F-4D97-AF65-F5344CB8AC3E}">
-        <p14:creationId xmlns:p14="http://schemas.microsoft.com/office/powerpoint/2010/main" val="1347359541"/>
+        <p14:creationId xmlns:p14="http://schemas.microsoft.com/office/powerpoint/2010/main" val="3711507718"/>
       </p:ext>
     </p:extLst>
   </p:cSld>
@@ -1239,9 +1234,9 @@
           <a:bodyPr/>
           <a:lstStyle/>
           <a:p>
-            <a:fld id="{B0D44428-6A9F-40D1-A27D-D805992CA982}" type="datetimeFigureOut">
-              <a:rPr lang="ko-KR" altLang="en-US" smtClean="0"/>
-              <a:t>2021-10-31</a:t>
+            <a:fld id="{8AFE6F3F-10B5-4B1C-BB68-EEEA59DAD24E}" type="datetimeFigureOut">
+              <a:rPr lang="ko-KR" altLang="en-US" smtClean="0"/>
+              <a:t>2021-10-29</a:t>
             </a:fld>
             <a:endParaRPr lang="ko-KR" altLang="en-US"/>
           </a:p>
@@ -1281,7 +1276,7 @@
           <a:bodyPr/>
           <a:lstStyle/>
           <a:p>
-            <a:fld id="{708195CE-50F2-4CE5-B582-82CBDE26A06A}" type="slidenum">
+            <a:fld id="{59207AAD-AB7C-4AB4-BC3A-DC74B566E344}" type="slidenum">
               <a:rPr lang="ko-KR" altLang="en-US" smtClean="0"/>
               <a:t>‹#›</a:t>
             </a:fld>
@@ -1292,7 +1287,7 @@
     </p:spTree>
     <p:extLst>
       <p:ext uri="{BB962C8B-B14F-4D97-AF65-F5344CB8AC3E}">
-        <p14:creationId xmlns:p14="http://schemas.microsoft.com/office/powerpoint/2010/main" val="3980130070"/>
+        <p14:creationId xmlns:p14="http://schemas.microsoft.com/office/powerpoint/2010/main" val="1578577547"/>
       </p:ext>
     </p:extLst>
   </p:cSld>
@@ -1606,9 +1601,9 @@
           <a:bodyPr/>
           <a:lstStyle/>
           <a:p>
-            <a:fld id="{B0D44428-6A9F-40D1-A27D-D805992CA982}" type="datetimeFigureOut">
-              <a:rPr lang="ko-KR" altLang="en-US" smtClean="0"/>
-              <a:t>2021-10-31</a:t>
+            <a:fld id="{8AFE6F3F-10B5-4B1C-BB68-EEEA59DAD24E}" type="datetimeFigureOut">
+              <a:rPr lang="ko-KR" altLang="en-US" smtClean="0"/>
+              <a:t>2021-10-29</a:t>
             </a:fld>
             <a:endParaRPr lang="ko-KR" altLang="en-US"/>
           </a:p>
@@ -1648,7 +1643,7 @@
           <a:bodyPr/>
           <a:lstStyle/>
           <a:p>
-            <a:fld id="{708195CE-50F2-4CE5-B582-82CBDE26A06A}" type="slidenum">
+            <a:fld id="{59207AAD-AB7C-4AB4-BC3A-DC74B566E344}" type="slidenum">
               <a:rPr lang="ko-KR" altLang="en-US" smtClean="0"/>
               <a:t>‹#›</a:t>
             </a:fld>
@@ -1659,7 +1654,7 @@
     </p:spTree>
     <p:extLst>
       <p:ext uri="{BB962C8B-B14F-4D97-AF65-F5344CB8AC3E}">
-        <p14:creationId xmlns:p14="http://schemas.microsoft.com/office/powerpoint/2010/main" val="3095374656"/>
+        <p14:creationId xmlns:p14="http://schemas.microsoft.com/office/powerpoint/2010/main" val="3268708813"/>
       </p:ext>
     </p:extLst>
   </p:cSld>
@@ -1724,9 +1719,9 @@
           <a:bodyPr/>
           <a:lstStyle/>
           <a:p>
-            <a:fld id="{B0D44428-6A9F-40D1-A27D-D805992CA982}" type="datetimeFigureOut">
-              <a:rPr lang="ko-KR" altLang="en-US" smtClean="0"/>
-              <a:t>2021-10-31</a:t>
+            <a:fld id="{8AFE6F3F-10B5-4B1C-BB68-EEEA59DAD24E}" type="datetimeFigureOut">
+              <a:rPr lang="ko-KR" altLang="en-US" smtClean="0"/>
+              <a:t>2021-10-29</a:t>
             </a:fld>
             <a:endParaRPr lang="ko-KR" altLang="en-US"/>
           </a:p>
@@ -1766,7 +1761,7 @@
           <a:bodyPr/>
           <a:lstStyle/>
           <a:p>
-            <a:fld id="{708195CE-50F2-4CE5-B582-82CBDE26A06A}" type="slidenum">
+            <a:fld id="{59207AAD-AB7C-4AB4-BC3A-DC74B566E344}" type="slidenum">
               <a:rPr lang="ko-KR" altLang="en-US" smtClean="0"/>
               <a:t>‹#›</a:t>
             </a:fld>
@@ -1777,7 +1772,7 @@
     </p:spTree>
     <p:extLst>
       <p:ext uri="{BB962C8B-B14F-4D97-AF65-F5344CB8AC3E}">
-        <p14:creationId xmlns:p14="http://schemas.microsoft.com/office/powerpoint/2010/main" val="493819435"/>
+        <p14:creationId xmlns:p14="http://schemas.microsoft.com/office/powerpoint/2010/main" val="3172434559"/>
       </p:ext>
     </p:extLst>
   </p:cSld>
@@ -1819,9 +1814,9 @@
           <a:bodyPr/>
           <a:lstStyle/>
           <a:p>
-            <a:fld id="{B0D44428-6A9F-40D1-A27D-D805992CA982}" type="datetimeFigureOut">
-              <a:rPr lang="ko-KR" altLang="en-US" smtClean="0"/>
-              <a:t>2021-10-31</a:t>
+            <a:fld id="{8AFE6F3F-10B5-4B1C-BB68-EEEA59DAD24E}" type="datetimeFigureOut">
+              <a:rPr lang="ko-KR" altLang="en-US" smtClean="0"/>
+              <a:t>2021-10-29</a:t>
             </a:fld>
             <a:endParaRPr lang="ko-KR" altLang="en-US"/>
           </a:p>
@@ -1861,7 +1856,7 @@
           <a:bodyPr/>
           <a:lstStyle/>
           <a:p>
-            <a:fld id="{708195CE-50F2-4CE5-B582-82CBDE26A06A}" type="slidenum">
+            <a:fld id="{59207AAD-AB7C-4AB4-BC3A-DC74B566E344}" type="slidenum">
               <a:rPr lang="ko-KR" altLang="en-US" smtClean="0"/>
               <a:t>‹#›</a:t>
             </a:fld>
@@ -1872,7 +1867,7 @@
     </p:spTree>
     <p:extLst>
       <p:ext uri="{BB962C8B-B14F-4D97-AF65-F5344CB8AC3E}">
-        <p14:creationId xmlns:p14="http://schemas.microsoft.com/office/powerpoint/2010/main" val="1933009386"/>
+        <p14:creationId xmlns:p14="http://schemas.microsoft.com/office/powerpoint/2010/main" val="1377673311"/>
       </p:ext>
     </p:extLst>
   </p:cSld>
@@ -2096,9 +2091,9 @@
           <a:bodyPr/>
           <a:lstStyle/>
           <a:p>
-            <a:fld id="{B0D44428-6A9F-40D1-A27D-D805992CA982}" type="datetimeFigureOut">
-              <a:rPr lang="ko-KR" altLang="en-US" smtClean="0"/>
-              <a:t>2021-10-31</a:t>
+            <a:fld id="{8AFE6F3F-10B5-4B1C-BB68-EEEA59DAD24E}" type="datetimeFigureOut">
+              <a:rPr lang="ko-KR" altLang="en-US" smtClean="0"/>
+              <a:t>2021-10-29</a:t>
             </a:fld>
             <a:endParaRPr lang="ko-KR" altLang="en-US"/>
           </a:p>
@@ -2138,7 +2133,7 @@
           <a:bodyPr/>
           <a:lstStyle/>
           <a:p>
-            <a:fld id="{708195CE-50F2-4CE5-B582-82CBDE26A06A}" type="slidenum">
+            <a:fld id="{59207AAD-AB7C-4AB4-BC3A-DC74B566E344}" type="slidenum">
               <a:rPr lang="ko-KR" altLang="en-US" smtClean="0"/>
               <a:t>‹#›</a:t>
             </a:fld>
@@ -2149,7 +2144,7 @@
     </p:spTree>
     <p:extLst>
       <p:ext uri="{BB962C8B-B14F-4D97-AF65-F5344CB8AC3E}">
-        <p14:creationId xmlns:p14="http://schemas.microsoft.com/office/powerpoint/2010/main" val="1931221336"/>
+        <p14:creationId xmlns:p14="http://schemas.microsoft.com/office/powerpoint/2010/main" val="2148872372"/>
       </p:ext>
     </p:extLst>
   </p:cSld>
@@ -2349,9 +2344,9 @@
           <a:bodyPr/>
           <a:lstStyle/>
           <a:p>
-            <a:fld id="{B0D44428-6A9F-40D1-A27D-D805992CA982}" type="datetimeFigureOut">
-              <a:rPr lang="ko-KR" altLang="en-US" smtClean="0"/>
-              <a:t>2021-10-31</a:t>
+            <a:fld id="{8AFE6F3F-10B5-4B1C-BB68-EEEA59DAD24E}" type="datetimeFigureOut">
+              <a:rPr lang="ko-KR" altLang="en-US" smtClean="0"/>
+              <a:t>2021-10-29</a:t>
             </a:fld>
             <a:endParaRPr lang="ko-KR" altLang="en-US"/>
           </a:p>
@@ -2391,7 +2386,7 @@
           <a:bodyPr/>
           <a:lstStyle/>
           <a:p>
-            <a:fld id="{708195CE-50F2-4CE5-B582-82CBDE26A06A}" type="slidenum">
+            <a:fld id="{59207AAD-AB7C-4AB4-BC3A-DC74B566E344}" type="slidenum">
               <a:rPr lang="ko-KR" altLang="en-US" smtClean="0"/>
               <a:t>‹#›</a:t>
             </a:fld>
@@ -2402,7 +2397,7 @@
     </p:spTree>
     <p:extLst>
       <p:ext uri="{BB962C8B-B14F-4D97-AF65-F5344CB8AC3E}">
-        <p14:creationId xmlns:p14="http://schemas.microsoft.com/office/powerpoint/2010/main" val="811267712"/>
+        <p14:creationId xmlns:p14="http://schemas.microsoft.com/office/powerpoint/2010/main" val="3152570000"/>
       </p:ext>
     </p:extLst>
   </p:cSld>
@@ -2562,9 +2557,9 @@
             </a:lvl1pPr>
           </a:lstStyle>
           <a:p>
-            <a:fld id="{B0D44428-6A9F-40D1-A27D-D805992CA982}" type="datetimeFigureOut">
-              <a:rPr lang="ko-KR" altLang="en-US" smtClean="0"/>
-              <a:t>2021-10-31</a:t>
+            <a:fld id="{8AFE6F3F-10B5-4B1C-BB68-EEEA59DAD24E}" type="datetimeFigureOut">
+              <a:rPr lang="ko-KR" altLang="en-US" smtClean="0"/>
+              <a:t>2021-10-29</a:t>
             </a:fld>
             <a:endParaRPr lang="ko-KR" altLang="en-US"/>
           </a:p>
@@ -2640,7 +2635,7 @@
             </a:lvl1pPr>
           </a:lstStyle>
           <a:p>
-            <a:fld id="{708195CE-50F2-4CE5-B582-82CBDE26A06A}" type="slidenum">
+            <a:fld id="{59207AAD-AB7C-4AB4-BC3A-DC74B566E344}" type="slidenum">
               <a:rPr lang="ko-KR" altLang="en-US" smtClean="0"/>
               <a:t>‹#›</a:t>
             </a:fld>
@@ -2651,7 +2646,7 @@
     </p:spTree>
     <p:extLst>
       <p:ext uri="{BB962C8B-B14F-4D97-AF65-F5344CB8AC3E}">
-        <p14:creationId xmlns:p14="http://schemas.microsoft.com/office/powerpoint/2010/main" val="2273105241"/>
+        <p14:creationId xmlns:p14="http://schemas.microsoft.com/office/powerpoint/2010/main" val="1732963403"/>
       </p:ext>
     </p:extLst>
   </p:cSld>
@@ -2969,126 +2964,16 @@
           <a:chExt cx="0" cy="0"/>
         </a:xfrm>
       </p:grpSpPr>
-      <p:sp>
-        <p:nvSpPr>
-          <p:cNvPr id="2" name="제목 1"/>
-          <p:cNvSpPr>
-            <a:spLocks noGrp="1"/>
-          </p:cNvSpPr>
-          <p:nvPr>
-            <p:ph type="ctrTitle"/>
-          </p:nvPr>
-        </p:nvSpPr>
-        <p:spPr>
-          <a:xfrm>
-            <a:off x="1524000" y="287383"/>
-            <a:ext cx="9144000" cy="561703"/>
-          </a:xfrm>
-        </p:spPr>
-        <p:txBody>
-          <a:bodyPr>
-            <a:normAutofit/>
-          </a:bodyPr>
-          <a:lstStyle/>
-          <a:p>
-            <a:r>
-              <a:rPr lang="en-US" altLang="ko-KR" sz="3200" b="1" dirty="0" smtClean="0"/>
-              <a:t>Bootstrap</a:t>
-            </a:r>
-            <a:endParaRPr lang="ko-KR" altLang="en-US" sz="3200" b="1" dirty="0"/>
-          </a:p>
-        </p:txBody>
-      </p:sp>
-      <p:sp>
-        <p:nvSpPr>
-          <p:cNvPr id="4" name="평행 사변형 3"/>
-          <p:cNvSpPr/>
-          <p:nvPr/>
-        </p:nvSpPr>
-        <p:spPr>
-          <a:xfrm>
-            <a:off x="3984171" y="4663440"/>
-            <a:ext cx="4088675" cy="1815737"/>
-          </a:xfrm>
-          <a:prstGeom prst="parallelogram">
-            <a:avLst/>
-          </a:prstGeom>
-          <a:solidFill>
-            <a:srgbClr val="92D050">
-              <a:alpha val="50000"/>
-            </a:srgbClr>
-          </a:solidFill>
-          <a:ln>
-            <a:solidFill>
-              <a:schemeClr val="tx1"/>
-            </a:solidFill>
-          </a:ln>
-        </p:spPr>
-        <p:style>
-          <a:lnRef idx="2">
-            <a:schemeClr val="accent1">
-              <a:shade val="50000"/>
-            </a:schemeClr>
-          </a:lnRef>
-          <a:fillRef idx="1">
-            <a:schemeClr val="accent1"/>
-          </a:fillRef>
-          <a:effectRef idx="0">
-            <a:schemeClr val="accent1"/>
-          </a:effectRef>
-          <a:fontRef idx="minor">
-            <a:schemeClr val="lt1"/>
-          </a:fontRef>
-        </p:style>
-        <p:txBody>
-          <a:bodyPr rtlCol="0" anchor="ctr"/>
-          <a:lstStyle/>
-          <a:p>
-            <a:pPr algn="ctr"/>
-            <a:endParaRPr lang="ko-KR" altLang="en-US"/>
-          </a:p>
-        </p:txBody>
-      </p:sp>
-      <p:sp>
-        <p:nvSpPr>
-          <p:cNvPr id="5" name="TextBox 4"/>
-          <p:cNvSpPr txBox="1"/>
-          <p:nvPr/>
-        </p:nvSpPr>
-        <p:spPr>
-          <a:xfrm>
-            <a:off x="8539089" y="5528603"/>
-            <a:ext cx="1390894" cy="369332"/>
-          </a:xfrm>
-          <a:prstGeom prst="rect">
-            <a:avLst/>
-          </a:prstGeom>
-          <a:noFill/>
-        </p:spPr>
-        <p:txBody>
-          <a:bodyPr wrap="none" rtlCol="0">
-            <a:spAutoFit/>
-          </a:bodyPr>
-          <a:lstStyle/>
-          <a:p>
-            <a:r>
-              <a:rPr lang="en-US" altLang="ko-KR" dirty="0" smtClean="0"/>
-              <a:t>Training set</a:t>
-            </a:r>
-            <a:endParaRPr lang="ko-KR" altLang="en-US" dirty="0"/>
-          </a:p>
-        </p:txBody>
-      </p:sp>
       <p:cxnSp>
         <p:nvCxnSpPr>
-          <p:cNvPr id="6" name="직선 화살표 연결선 5"/>
+          <p:cNvPr id="5" name="직선 화살표 연결선 4"/>
           <p:cNvCxnSpPr/>
           <p:nvPr/>
         </p:nvCxnSpPr>
         <p:spPr>
           <a:xfrm flipV="1">
-            <a:off x="4776537" y="4776537"/>
-            <a:ext cx="12031" cy="1467852"/>
+            <a:off x="757646" y="4752871"/>
+            <a:ext cx="3814354" cy="13063"/>
           </a:xfrm>
           <a:prstGeom prst="straightConnector1">
             <a:avLst/>
@@ -3117,14 +3002,14 @@
       </p:cxnSp>
       <p:cxnSp>
         <p:nvCxnSpPr>
-          <p:cNvPr id="8" name="직선 화살표 연결선 7"/>
+          <p:cNvPr id="7" name="직선 화살표 연결선 6"/>
           <p:cNvCxnSpPr/>
           <p:nvPr/>
         </p:nvCxnSpPr>
         <p:spPr>
-          <a:xfrm>
-            <a:off x="4788568" y="6244389"/>
-            <a:ext cx="2329684" cy="0"/>
+          <a:xfrm flipV="1">
+            <a:off x="757646" y="1469070"/>
+            <a:ext cx="0" cy="3296864"/>
           </a:xfrm>
           <a:prstGeom prst="straightConnector1">
             <a:avLst/>
@@ -3153,14 +3038,178 @@
       </p:cxnSp>
       <p:sp>
         <p:nvSpPr>
-          <p:cNvPr id="9" name="타원 8"/>
+          <p:cNvPr id="10" name="TextBox 9"/>
+          <p:cNvSpPr txBox="1"/>
+          <p:nvPr/>
+        </p:nvSpPr>
+        <p:spPr>
+          <a:xfrm>
+            <a:off x="4255146" y="4994031"/>
+            <a:ext cx="324128" cy="369332"/>
+          </a:xfrm>
+          <a:prstGeom prst="rect">
+            <a:avLst/>
+          </a:prstGeom>
+          <a:noFill/>
+        </p:spPr>
+        <p:txBody>
+          <a:bodyPr wrap="none" rtlCol="0">
+            <a:spAutoFit/>
+          </a:bodyPr>
+          <a:lstStyle/>
+          <a:p>
+            <a:r>
+              <a:rPr lang="en-US" altLang="ko-KR" dirty="0"/>
+              <a:t>X</a:t>
+            </a:r>
+            <a:endParaRPr lang="ko-KR" altLang="en-US" dirty="0"/>
+          </a:p>
+        </p:txBody>
+      </p:sp>
+      <p:sp>
+        <p:nvSpPr>
+          <p:cNvPr id="11" name="TextBox 10"/>
+          <p:cNvSpPr txBox="1"/>
+          <p:nvPr/>
+        </p:nvSpPr>
+        <p:spPr>
+          <a:xfrm>
+            <a:off x="370453" y="1770185"/>
+            <a:ext cx="314510" cy="369332"/>
+          </a:xfrm>
+          <a:prstGeom prst="rect">
+            <a:avLst/>
+          </a:prstGeom>
+          <a:noFill/>
+        </p:spPr>
+        <p:txBody>
+          <a:bodyPr wrap="none" rtlCol="0">
+            <a:spAutoFit/>
+          </a:bodyPr>
+          <a:lstStyle/>
+          <a:p>
+            <a:r>
+              <a:rPr lang="en-US" altLang="ko-KR" dirty="0" smtClean="0"/>
+              <a:t>Y</a:t>
+            </a:r>
+            <a:endParaRPr lang="ko-KR" altLang="en-US" dirty="0"/>
+          </a:p>
+        </p:txBody>
+      </p:sp>
+      <p:sp>
+        <p:nvSpPr>
+          <p:cNvPr id="12" name="TextBox 11"/>
+          <p:cNvSpPr txBox="1"/>
+          <p:nvPr/>
+        </p:nvSpPr>
+        <p:spPr>
+          <a:xfrm>
+            <a:off x="4255146" y="407963"/>
+            <a:ext cx="3425814" cy="769441"/>
+          </a:xfrm>
+          <a:prstGeom prst="rect">
+            <a:avLst/>
+          </a:prstGeom>
+          <a:noFill/>
+        </p:spPr>
+        <p:txBody>
+          <a:bodyPr wrap="square" rtlCol="0">
+            <a:spAutoFit/>
+          </a:bodyPr>
+          <a:lstStyle/>
+          <a:p>
+            <a:r>
+              <a:rPr lang="en-US" altLang="ko-KR" sz="4400" b="1" dirty="0" smtClean="0"/>
+              <a:t>Kernel Trick</a:t>
+            </a:r>
+            <a:endParaRPr lang="ko-KR" altLang="en-US" sz="4400" b="1" dirty="0"/>
+          </a:p>
+        </p:txBody>
+      </p:sp>
+      <p:cxnSp>
+        <p:nvCxnSpPr>
+          <p:cNvPr id="14" name="구부러진 연결선 13"/>
+          <p:cNvCxnSpPr/>
+          <p:nvPr/>
+        </p:nvCxnSpPr>
+        <p:spPr>
+          <a:xfrm flipV="1">
+            <a:off x="1012874" y="2557973"/>
+            <a:ext cx="2011680" cy="1493522"/>
+          </a:xfrm>
+          <a:prstGeom prst="curvedConnector3">
+            <a:avLst>
+              <a:gd name="adj1" fmla="val 50000"/>
+            </a:avLst>
+          </a:prstGeom>
+          <a:ln>
+            <a:solidFill>
+              <a:schemeClr val="tx1"/>
+            </a:solidFill>
+          </a:ln>
+        </p:spPr>
+        <p:style>
+          <a:lnRef idx="1">
+            <a:schemeClr val="accent1"/>
+          </a:lnRef>
+          <a:fillRef idx="0">
+            <a:schemeClr val="accent1"/>
+          </a:fillRef>
+          <a:effectRef idx="0">
+            <a:schemeClr val="accent1"/>
+          </a:effectRef>
+          <a:fontRef idx="minor">
+            <a:schemeClr val="tx1"/>
+          </a:fontRef>
+        </p:style>
+      </p:cxnSp>
+      <p:cxnSp>
+        <p:nvCxnSpPr>
+          <p:cNvPr id="17" name="구부러진 연결선 16"/>
+          <p:cNvCxnSpPr/>
+          <p:nvPr/>
+        </p:nvCxnSpPr>
+        <p:spPr>
+          <a:xfrm rot="16200000" flipH="1">
+            <a:off x="2618397" y="2984156"/>
+            <a:ext cx="1752843" cy="944542"/>
+          </a:xfrm>
+          <a:prstGeom prst="curvedConnector3">
+            <a:avLst>
+              <a:gd name="adj1" fmla="val -1364"/>
+            </a:avLst>
+          </a:prstGeom>
+          <a:ln>
+            <a:solidFill>
+              <a:schemeClr val="tx1"/>
+            </a:solidFill>
+          </a:ln>
+        </p:spPr>
+        <p:style>
+          <a:lnRef idx="1">
+            <a:schemeClr val="accent1"/>
+          </a:lnRef>
+          <a:fillRef idx="0">
+            <a:schemeClr val="accent1"/>
+          </a:fillRef>
+          <a:effectRef idx="0">
+            <a:schemeClr val="accent1"/>
+          </a:effectRef>
+          <a:fontRef idx="minor">
+            <a:schemeClr val="tx1"/>
+          </a:fontRef>
+        </p:style>
+      </p:cxnSp>
+      <p:sp>
+        <p:nvSpPr>
+          <p:cNvPr id="19" name="타원 18"/>
           <p:cNvSpPr/>
           <p:nvPr/>
         </p:nvSpPr>
         <p:spPr>
           <a:xfrm>
-            <a:off x="5176910" y="5190978"/>
-            <a:ext cx="140677" cy="140677"/>
+            <a:off x="1561514" y="4051495"/>
+            <a:ext cx="140677" cy="126610"/>
           </a:xfrm>
           <a:prstGeom prst="ellipse">
             <a:avLst/>
@@ -3201,14 +3250,229 @@
       </p:sp>
       <p:sp>
         <p:nvSpPr>
-          <p:cNvPr id="11" name="타원 10"/>
+          <p:cNvPr id="20" name="직사각형 19"/>
           <p:cNvSpPr/>
           <p:nvPr/>
         </p:nvSpPr>
         <p:spPr>
           <a:xfrm>
-            <a:off x="5328644" y="5471082"/>
-            <a:ext cx="140677" cy="140677"/>
+            <a:off x="1392702" y="3404382"/>
+            <a:ext cx="168812" cy="98473"/>
+          </a:xfrm>
+          <a:prstGeom prst="rect">
+            <a:avLst/>
+          </a:prstGeom>
+          <a:solidFill>
+            <a:srgbClr val="0070C0"/>
+          </a:solidFill>
+        </p:spPr>
+        <p:style>
+          <a:lnRef idx="2">
+            <a:schemeClr val="accent1">
+              <a:shade val="50000"/>
+            </a:schemeClr>
+          </a:lnRef>
+          <a:fillRef idx="1">
+            <a:schemeClr val="accent1"/>
+          </a:fillRef>
+          <a:effectRef idx="0">
+            <a:schemeClr val="accent1"/>
+          </a:effectRef>
+          <a:fontRef idx="minor">
+            <a:schemeClr val="lt1"/>
+          </a:fontRef>
+        </p:style>
+        <p:txBody>
+          <a:bodyPr rtlCol="0" anchor="ctr"/>
+          <a:lstStyle/>
+          <a:p>
+            <a:pPr algn="ctr"/>
+            <a:endParaRPr lang="ko-KR" altLang="en-US"/>
+          </a:p>
+        </p:txBody>
+      </p:sp>
+      <p:sp>
+        <p:nvSpPr>
+          <p:cNvPr id="21" name="직사각형 20"/>
+          <p:cNvSpPr/>
+          <p:nvPr/>
+        </p:nvSpPr>
+        <p:spPr>
+          <a:xfrm>
+            <a:off x="1817078" y="2459500"/>
+            <a:ext cx="168812" cy="98473"/>
+          </a:xfrm>
+          <a:prstGeom prst="rect">
+            <a:avLst/>
+          </a:prstGeom>
+          <a:solidFill>
+            <a:srgbClr val="0070C0"/>
+          </a:solidFill>
+        </p:spPr>
+        <p:style>
+          <a:lnRef idx="2">
+            <a:schemeClr val="accent1">
+              <a:shade val="50000"/>
+            </a:schemeClr>
+          </a:lnRef>
+          <a:fillRef idx="1">
+            <a:schemeClr val="accent1"/>
+          </a:fillRef>
+          <a:effectRef idx="0">
+            <a:schemeClr val="accent1"/>
+          </a:effectRef>
+          <a:fontRef idx="minor">
+            <a:schemeClr val="lt1"/>
+          </a:fontRef>
+        </p:style>
+        <p:txBody>
+          <a:bodyPr rtlCol="0" anchor="ctr"/>
+          <a:lstStyle/>
+          <a:p>
+            <a:pPr algn="ctr"/>
+            <a:endParaRPr lang="ko-KR" altLang="en-US"/>
+          </a:p>
+        </p:txBody>
+      </p:sp>
+      <p:sp>
+        <p:nvSpPr>
+          <p:cNvPr id="22" name="직사각형 21"/>
+          <p:cNvSpPr/>
+          <p:nvPr/>
+        </p:nvSpPr>
+        <p:spPr>
+          <a:xfrm>
+            <a:off x="2496011" y="2156377"/>
+            <a:ext cx="168812" cy="98473"/>
+          </a:xfrm>
+          <a:prstGeom prst="rect">
+            <a:avLst/>
+          </a:prstGeom>
+          <a:solidFill>
+            <a:srgbClr val="0070C0"/>
+          </a:solidFill>
+        </p:spPr>
+        <p:style>
+          <a:lnRef idx="2">
+            <a:schemeClr val="accent1">
+              <a:shade val="50000"/>
+            </a:schemeClr>
+          </a:lnRef>
+          <a:fillRef idx="1">
+            <a:schemeClr val="accent1"/>
+          </a:fillRef>
+          <a:effectRef idx="0">
+            <a:schemeClr val="accent1"/>
+          </a:effectRef>
+          <a:fontRef idx="minor">
+            <a:schemeClr val="lt1"/>
+          </a:fontRef>
+        </p:style>
+        <p:txBody>
+          <a:bodyPr rtlCol="0" anchor="ctr"/>
+          <a:lstStyle/>
+          <a:p>
+            <a:pPr algn="ctr"/>
+            <a:endParaRPr lang="ko-KR" altLang="en-US"/>
+          </a:p>
+        </p:txBody>
+      </p:sp>
+      <p:sp>
+        <p:nvSpPr>
+          <p:cNvPr id="24" name="직사각형 23"/>
+          <p:cNvSpPr/>
+          <p:nvPr/>
+        </p:nvSpPr>
+        <p:spPr>
+          <a:xfrm>
+            <a:off x="3967089" y="3193366"/>
+            <a:ext cx="168812" cy="98473"/>
+          </a:xfrm>
+          <a:prstGeom prst="rect">
+            <a:avLst/>
+          </a:prstGeom>
+          <a:solidFill>
+            <a:srgbClr val="0070C0"/>
+          </a:solidFill>
+        </p:spPr>
+        <p:style>
+          <a:lnRef idx="2">
+            <a:schemeClr val="accent1">
+              <a:shade val="50000"/>
+            </a:schemeClr>
+          </a:lnRef>
+          <a:fillRef idx="1">
+            <a:schemeClr val="accent1"/>
+          </a:fillRef>
+          <a:effectRef idx="0">
+            <a:schemeClr val="accent1"/>
+          </a:effectRef>
+          <a:fontRef idx="minor">
+            <a:schemeClr val="lt1"/>
+          </a:fontRef>
+        </p:style>
+        <p:txBody>
+          <a:bodyPr rtlCol="0" anchor="ctr"/>
+          <a:lstStyle/>
+          <a:p>
+            <a:pPr algn="ctr"/>
+            <a:endParaRPr lang="ko-KR" altLang="en-US"/>
+          </a:p>
+        </p:txBody>
+      </p:sp>
+      <p:sp>
+        <p:nvSpPr>
+          <p:cNvPr id="28" name="직사각형 27"/>
+          <p:cNvSpPr/>
+          <p:nvPr/>
+        </p:nvSpPr>
+        <p:spPr>
+          <a:xfrm>
+            <a:off x="3421798" y="2266572"/>
+            <a:ext cx="168812" cy="98473"/>
+          </a:xfrm>
+          <a:prstGeom prst="rect">
+            <a:avLst/>
+          </a:prstGeom>
+          <a:solidFill>
+            <a:srgbClr val="0070C0"/>
+          </a:solidFill>
+        </p:spPr>
+        <p:style>
+          <a:lnRef idx="2">
+            <a:schemeClr val="accent1">
+              <a:shade val="50000"/>
+            </a:schemeClr>
+          </a:lnRef>
+          <a:fillRef idx="1">
+            <a:schemeClr val="accent1"/>
+          </a:fillRef>
+          <a:effectRef idx="0">
+            <a:schemeClr val="accent1"/>
+          </a:effectRef>
+          <a:fontRef idx="minor">
+            <a:schemeClr val="lt1"/>
+          </a:fontRef>
+        </p:style>
+        <p:txBody>
+          <a:bodyPr rtlCol="0" anchor="ctr"/>
+          <a:lstStyle/>
+          <a:p>
+            <a:pPr algn="ctr"/>
+            <a:endParaRPr lang="ko-KR" altLang="en-US"/>
+          </a:p>
+        </p:txBody>
+      </p:sp>
+      <p:sp>
+        <p:nvSpPr>
+          <p:cNvPr id="29" name="타원 28"/>
+          <p:cNvSpPr/>
+          <p:nvPr/>
+        </p:nvSpPr>
+        <p:spPr>
+          <a:xfrm>
+            <a:off x="2355334" y="3193366"/>
+            <a:ext cx="140677" cy="126610"/>
           </a:xfrm>
           <a:prstGeom prst="ellipse">
             <a:avLst/>
@@ -3249,14 +3513,14 @@
       </p:sp>
       <p:sp>
         <p:nvSpPr>
-          <p:cNvPr id="12" name="타원 11"/>
+          <p:cNvPr id="30" name="타원 29"/>
           <p:cNvSpPr/>
           <p:nvPr/>
         </p:nvSpPr>
         <p:spPr>
           <a:xfrm>
-            <a:off x="5635590" y="5273039"/>
-            <a:ext cx="140677" cy="140677"/>
+            <a:off x="3139104" y="2979169"/>
+            <a:ext cx="140677" cy="126610"/>
           </a:xfrm>
           <a:prstGeom prst="ellipse">
             <a:avLst/>
@@ -3297,14 +3561,14 @@
       </p:sp>
       <p:sp>
         <p:nvSpPr>
-          <p:cNvPr id="13" name="타원 12"/>
+          <p:cNvPr id="31" name="타원 30"/>
           <p:cNvSpPr/>
           <p:nvPr/>
         </p:nvSpPr>
         <p:spPr>
           <a:xfrm>
-            <a:off x="5697415" y="4979128"/>
-            <a:ext cx="140677" cy="140677"/>
+            <a:off x="2524146" y="3872466"/>
+            <a:ext cx="140677" cy="126610"/>
           </a:xfrm>
           <a:prstGeom prst="ellipse">
             <a:avLst/>
@@ -3345,14 +3609,14 @@
       </p:sp>
       <p:sp>
         <p:nvSpPr>
-          <p:cNvPr id="14" name="타원 13"/>
+          <p:cNvPr id="32" name="타원 31"/>
           <p:cNvSpPr/>
           <p:nvPr/>
         </p:nvSpPr>
         <p:spPr>
           <a:xfrm>
-            <a:off x="6009107" y="5172560"/>
-            <a:ext cx="140677" cy="140677"/>
+            <a:off x="3496825" y="3746694"/>
+            <a:ext cx="140677" cy="126610"/>
           </a:xfrm>
           <a:prstGeom prst="ellipse">
             <a:avLst/>
@@ -3393,14 +3657,452 @@
       </p:sp>
       <p:sp>
         <p:nvSpPr>
-          <p:cNvPr id="15" name="타원 14"/>
+          <p:cNvPr id="33" name="TextBox 32"/>
+          <p:cNvSpPr txBox="1"/>
+          <p:nvPr/>
+        </p:nvSpPr>
+        <p:spPr>
+          <a:xfrm>
+            <a:off x="4417210" y="3643532"/>
+            <a:ext cx="1159292" cy="369332"/>
+          </a:xfrm>
+          <a:prstGeom prst="rect">
+            <a:avLst/>
+          </a:prstGeom>
+          <a:noFill/>
+        </p:spPr>
+        <p:txBody>
+          <a:bodyPr wrap="none" rtlCol="0">
+            <a:spAutoFit/>
+          </a:bodyPr>
+          <a:lstStyle/>
+          <a:p>
+            <a:r>
+              <a:rPr lang="en-US" altLang="ko-KR" dirty="0" smtClean="0"/>
+              <a:t>nonlinear</a:t>
+            </a:r>
+            <a:endParaRPr lang="ko-KR" altLang="en-US" dirty="0"/>
+          </a:p>
+        </p:txBody>
+      </p:sp>
+      <p:sp>
+        <p:nvSpPr>
+          <p:cNvPr id="34" name="TextBox 33"/>
+          <p:cNvSpPr txBox="1"/>
+          <p:nvPr/>
+        </p:nvSpPr>
+        <p:spPr>
+          <a:xfrm>
+            <a:off x="5026520" y="2780471"/>
+            <a:ext cx="1121062" cy="369332"/>
+          </a:xfrm>
+          <a:prstGeom prst="rect">
+            <a:avLst/>
+          </a:prstGeom>
+          <a:noFill/>
+        </p:spPr>
+        <p:txBody>
+          <a:bodyPr wrap="square" rtlCol="0">
+            <a:spAutoFit/>
+          </a:bodyPr>
+          <a:lstStyle/>
+          <a:p>
+            <a:r>
+              <a:rPr lang="en-US" altLang="ko-KR" dirty="0" smtClean="0"/>
+              <a:t>Function  </a:t>
+            </a:r>
+            <a:endParaRPr lang="ko-KR" altLang="en-US" dirty="0"/>
+          </a:p>
+        </p:txBody>
+      </p:sp>
+      <p:pic>
+        <p:nvPicPr>
+          <p:cNvPr id="37" name="그림 36"/>
+          <p:cNvPicPr>
+            <a:picLocks noChangeAspect="1"/>
+          </p:cNvPicPr>
+          <p:nvPr/>
+        </p:nvPicPr>
+        <p:blipFill>
+          <a:blip r:embed="rId2"/>
+          <a:stretch>
+            <a:fillRect/>
+          </a:stretch>
+        </p:blipFill>
+        <p:spPr>
+          <a:xfrm>
+            <a:off x="6147582" y="2743570"/>
+            <a:ext cx="253219" cy="443133"/>
+          </a:xfrm>
+          <a:prstGeom prst="rect">
+            <a:avLst/>
+          </a:prstGeom>
+        </p:spPr>
+      </p:pic>
+      <p:sp>
+        <p:nvSpPr>
+          <p:cNvPr id="38" name="TextBox 37"/>
+          <p:cNvSpPr txBox="1"/>
+          <p:nvPr/>
+        </p:nvSpPr>
+        <p:spPr>
+          <a:xfrm>
+            <a:off x="6780628" y="2188640"/>
+            <a:ext cx="755335" cy="369332"/>
+          </a:xfrm>
+          <a:prstGeom prst="rect">
+            <a:avLst/>
+          </a:prstGeom>
+          <a:noFill/>
+        </p:spPr>
+        <p:txBody>
+          <a:bodyPr wrap="none" rtlCol="0">
+            <a:spAutoFit/>
+          </a:bodyPr>
+          <a:lstStyle/>
+          <a:p>
+            <a:r>
+              <a:rPr lang="en-US" altLang="ko-KR" dirty="0" smtClean="0"/>
+              <a:t>linear</a:t>
+            </a:r>
+            <a:endParaRPr lang="ko-KR" altLang="en-US" dirty="0"/>
+          </a:p>
+        </p:txBody>
+      </p:sp>
+      <p:cxnSp>
+        <p:nvCxnSpPr>
+          <p:cNvPr id="40" name="구부러진 연결선 39"/>
+          <p:cNvCxnSpPr>
+            <a:stCxn id="33" idx="0"/>
+          </p:cNvCxnSpPr>
+          <p:nvPr/>
+        </p:nvCxnSpPr>
+        <p:spPr>
+          <a:xfrm rot="5400000" flipH="1" flipV="1">
+            <a:off x="5086214" y="3153244"/>
+            <a:ext cx="400930" cy="579646"/>
+          </a:xfrm>
+          <a:prstGeom prst="curvedConnector2">
+            <a:avLst/>
+          </a:prstGeom>
+          <a:ln w="12700">
+            <a:solidFill>
+              <a:schemeClr val="tx1"/>
+            </a:solidFill>
+            <a:tailEnd type="triangle"/>
+          </a:ln>
+        </p:spPr>
+        <p:style>
+          <a:lnRef idx="1">
+            <a:schemeClr val="accent1"/>
+          </a:lnRef>
+          <a:fillRef idx="0">
+            <a:schemeClr val="accent1"/>
+          </a:fillRef>
+          <a:effectRef idx="0">
+            <a:schemeClr val="accent1"/>
+          </a:effectRef>
+          <a:fontRef idx="minor">
+            <a:schemeClr val="tx1"/>
+          </a:fontRef>
+        </p:style>
+      </p:cxnSp>
+      <p:cxnSp>
+        <p:nvCxnSpPr>
+          <p:cNvPr id="42" name="구부러진 연결선 41"/>
+          <p:cNvCxnSpPr/>
+          <p:nvPr/>
+        </p:nvCxnSpPr>
+        <p:spPr>
+          <a:xfrm rot="5400000" flipH="1" flipV="1">
+            <a:off x="6191053" y="2290183"/>
+            <a:ext cx="400930" cy="579646"/>
+          </a:xfrm>
+          <a:prstGeom prst="curvedConnector2">
+            <a:avLst/>
+          </a:prstGeom>
+          <a:ln w="12700">
+            <a:solidFill>
+              <a:schemeClr val="tx1"/>
+            </a:solidFill>
+            <a:tailEnd type="triangle"/>
+          </a:ln>
+        </p:spPr>
+        <p:style>
+          <a:lnRef idx="1">
+            <a:schemeClr val="accent1"/>
+          </a:lnRef>
+          <a:fillRef idx="0">
+            <a:schemeClr val="accent1"/>
+          </a:fillRef>
+          <a:effectRef idx="0">
+            <a:schemeClr val="accent1"/>
+          </a:effectRef>
+          <a:fontRef idx="minor">
+            <a:schemeClr val="tx1"/>
+          </a:fontRef>
+        </p:style>
+      </p:cxnSp>
+      <p:cxnSp>
+        <p:nvCxnSpPr>
+          <p:cNvPr id="45" name="직선 화살표 연결선 44"/>
+          <p:cNvCxnSpPr/>
+          <p:nvPr/>
+        </p:nvCxnSpPr>
+        <p:spPr>
+          <a:xfrm flipV="1">
+            <a:off x="7920111" y="1308295"/>
+            <a:ext cx="0" cy="2627476"/>
+          </a:xfrm>
+          <a:prstGeom prst="straightConnector1">
+            <a:avLst/>
+          </a:prstGeom>
+          <a:ln w="25400">
+            <a:solidFill>
+              <a:schemeClr val="tx1"/>
+            </a:solidFill>
+            <a:tailEnd type="triangle"/>
+          </a:ln>
+        </p:spPr>
+        <p:style>
+          <a:lnRef idx="1">
+            <a:schemeClr val="accent1"/>
+          </a:lnRef>
+          <a:fillRef idx="0">
+            <a:schemeClr val="accent1"/>
+          </a:fillRef>
+          <a:effectRef idx="0">
+            <a:schemeClr val="accent1"/>
+          </a:effectRef>
+          <a:fontRef idx="minor">
+            <a:schemeClr val="tx1"/>
+          </a:fontRef>
+        </p:style>
+      </p:cxnSp>
+      <p:cxnSp>
+        <p:nvCxnSpPr>
+          <p:cNvPr id="49" name="직선 화살표 연결선 48"/>
+          <p:cNvCxnSpPr/>
+          <p:nvPr/>
+        </p:nvCxnSpPr>
+        <p:spPr>
+          <a:xfrm>
+            <a:off x="7920111" y="3925554"/>
+            <a:ext cx="3209442" cy="0"/>
+          </a:xfrm>
+          <a:prstGeom prst="straightConnector1">
+            <a:avLst/>
+          </a:prstGeom>
+          <a:ln w="25400">
+            <a:solidFill>
+              <a:schemeClr val="tx1"/>
+            </a:solidFill>
+            <a:tailEnd type="triangle"/>
+          </a:ln>
+        </p:spPr>
+        <p:style>
+          <a:lnRef idx="1">
+            <a:schemeClr val="accent1"/>
+          </a:lnRef>
+          <a:fillRef idx="0">
+            <a:schemeClr val="accent1"/>
+          </a:fillRef>
+          <a:effectRef idx="0">
+            <a:schemeClr val="accent1"/>
+          </a:effectRef>
+          <a:fontRef idx="minor">
+            <a:schemeClr val="tx1"/>
+          </a:fontRef>
+        </p:style>
+      </p:cxnSp>
+      <p:cxnSp>
+        <p:nvCxnSpPr>
+          <p:cNvPr id="53" name="직선 화살표 연결선 52"/>
+          <p:cNvCxnSpPr/>
+          <p:nvPr/>
+        </p:nvCxnSpPr>
+        <p:spPr>
+          <a:xfrm flipH="1">
+            <a:off x="6274191" y="3925554"/>
+            <a:ext cx="1645920" cy="1574914"/>
+          </a:xfrm>
+          <a:prstGeom prst="straightConnector1">
+            <a:avLst/>
+          </a:prstGeom>
+          <a:ln w="25400">
+            <a:solidFill>
+              <a:schemeClr val="tx1"/>
+            </a:solidFill>
+            <a:tailEnd type="triangle"/>
+          </a:ln>
+        </p:spPr>
+        <p:style>
+          <a:lnRef idx="1">
+            <a:schemeClr val="accent1"/>
+          </a:lnRef>
+          <a:fillRef idx="0">
+            <a:schemeClr val="accent1"/>
+          </a:fillRef>
+          <a:effectRef idx="0">
+            <a:schemeClr val="accent1"/>
+          </a:effectRef>
+          <a:fontRef idx="minor">
+            <a:schemeClr val="tx1"/>
+          </a:fontRef>
+        </p:style>
+      </p:cxnSp>
+      <p:sp>
+        <p:nvSpPr>
+          <p:cNvPr id="55" name="TextBox 54"/>
+          <p:cNvSpPr txBox="1"/>
+          <p:nvPr/>
+        </p:nvSpPr>
+        <p:spPr>
+          <a:xfrm>
+            <a:off x="10967489" y="4053059"/>
+            <a:ext cx="324128" cy="369332"/>
+          </a:xfrm>
+          <a:prstGeom prst="rect">
+            <a:avLst/>
+          </a:prstGeom>
+          <a:noFill/>
+        </p:spPr>
+        <p:txBody>
+          <a:bodyPr wrap="none" rtlCol="0">
+            <a:spAutoFit/>
+          </a:bodyPr>
+          <a:lstStyle/>
+          <a:p>
+            <a:r>
+              <a:rPr lang="en-US" altLang="ko-KR" dirty="0"/>
+              <a:t>X</a:t>
+            </a:r>
+            <a:endParaRPr lang="ko-KR" altLang="en-US" dirty="0"/>
+          </a:p>
+        </p:txBody>
+      </p:sp>
+      <p:sp>
+        <p:nvSpPr>
+          <p:cNvPr id="56" name="TextBox 55"/>
+          <p:cNvSpPr txBox="1"/>
+          <p:nvPr/>
+        </p:nvSpPr>
+        <p:spPr>
+          <a:xfrm>
+            <a:off x="8052383" y="1177404"/>
+            <a:ext cx="314510" cy="369332"/>
+          </a:xfrm>
+          <a:prstGeom prst="rect">
+            <a:avLst/>
+          </a:prstGeom>
+          <a:noFill/>
+        </p:spPr>
+        <p:txBody>
+          <a:bodyPr wrap="none" rtlCol="0">
+            <a:spAutoFit/>
+          </a:bodyPr>
+          <a:lstStyle/>
+          <a:p>
+            <a:r>
+              <a:rPr lang="en-US" altLang="ko-KR" dirty="0" smtClean="0"/>
+              <a:t>Y</a:t>
+            </a:r>
+            <a:endParaRPr lang="ko-KR" altLang="en-US" dirty="0"/>
+          </a:p>
+        </p:txBody>
+      </p:sp>
+      <p:sp>
+        <p:nvSpPr>
+          <p:cNvPr id="57" name="TextBox 56"/>
+          <p:cNvSpPr txBox="1"/>
+          <p:nvPr/>
+        </p:nvSpPr>
+        <p:spPr>
+          <a:xfrm>
+            <a:off x="6391518" y="5463401"/>
+            <a:ext cx="319318" cy="369332"/>
+          </a:xfrm>
+          <a:prstGeom prst="rect">
+            <a:avLst/>
+          </a:prstGeom>
+          <a:noFill/>
+        </p:spPr>
+        <p:txBody>
+          <a:bodyPr wrap="none" rtlCol="0">
+            <a:spAutoFit/>
+          </a:bodyPr>
+          <a:lstStyle/>
+          <a:p>
+            <a:r>
+              <a:rPr lang="en-US" altLang="ko-KR" dirty="0" smtClean="0"/>
+              <a:t>Z</a:t>
+            </a:r>
+            <a:endParaRPr lang="ko-KR" altLang="en-US" dirty="0"/>
+          </a:p>
+        </p:txBody>
+      </p:sp>
+      <p:sp>
+        <p:nvSpPr>
+          <p:cNvPr id="54" name="평행 사변형 53"/>
           <p:cNvSpPr/>
           <p:nvPr/>
         </p:nvSpPr>
         <p:spPr>
           <a:xfrm>
-            <a:off x="6362710" y="5313237"/>
-            <a:ext cx="140677" cy="140677"/>
+            <a:off x="6400801" y="2622033"/>
+            <a:ext cx="4566688" cy="1615692"/>
+          </a:xfrm>
+          <a:prstGeom prst="parallelogram">
+            <a:avLst>
+              <a:gd name="adj" fmla="val 82466"/>
+            </a:avLst>
+          </a:prstGeom>
+          <a:solidFill>
+            <a:srgbClr val="92D050">
+              <a:alpha val="50000"/>
+            </a:srgbClr>
+          </a:solidFill>
+          <a:ln>
+            <a:solidFill>
+              <a:srgbClr val="92D050"/>
+            </a:solidFill>
+          </a:ln>
+        </p:spPr>
+        <p:style>
+          <a:lnRef idx="2">
+            <a:schemeClr val="accent1">
+              <a:shade val="50000"/>
+            </a:schemeClr>
+          </a:lnRef>
+          <a:fillRef idx="1">
+            <a:schemeClr val="accent1"/>
+          </a:fillRef>
+          <a:effectRef idx="0">
+            <a:schemeClr val="accent1"/>
+          </a:effectRef>
+          <a:fontRef idx="minor">
+            <a:schemeClr val="lt1"/>
+          </a:fontRef>
+        </p:style>
+        <p:txBody>
+          <a:bodyPr rtlCol="0" anchor="ctr"/>
+          <a:lstStyle/>
+          <a:p>
+            <a:pPr algn="ctr"/>
+            <a:endParaRPr lang="ko-KR" altLang="en-US"/>
+          </a:p>
+        </p:txBody>
+      </p:sp>
+      <p:sp>
+        <p:nvSpPr>
+          <p:cNvPr id="64" name="타원 63"/>
+          <p:cNvSpPr/>
+          <p:nvPr/>
+        </p:nvSpPr>
+        <p:spPr>
+          <a:xfrm>
+            <a:off x="7535963" y="5001065"/>
+            <a:ext cx="140677" cy="126610"/>
           </a:xfrm>
           <a:prstGeom prst="ellipse">
             <a:avLst/>
@@ -3441,14 +4143,57 @@
       </p:sp>
       <p:sp>
         <p:nvSpPr>
-          <p:cNvPr id="16" name="타원 15"/>
+          <p:cNvPr id="65" name="직사각형 64"/>
           <p:cNvSpPr/>
           <p:nvPr/>
         </p:nvSpPr>
         <p:spPr>
           <a:xfrm>
-            <a:off x="6290029" y="4979129"/>
-            <a:ext cx="140677" cy="140677"/>
+            <a:off x="8515333" y="2188640"/>
+            <a:ext cx="168812" cy="98473"/>
+          </a:xfrm>
+          <a:prstGeom prst="rect">
+            <a:avLst/>
+          </a:prstGeom>
+          <a:solidFill>
+            <a:srgbClr val="0070C0"/>
+          </a:solidFill>
+        </p:spPr>
+        <p:style>
+          <a:lnRef idx="2">
+            <a:schemeClr val="accent1">
+              <a:shade val="50000"/>
+            </a:schemeClr>
+          </a:lnRef>
+          <a:fillRef idx="1">
+            <a:schemeClr val="accent1"/>
+          </a:fillRef>
+          <a:effectRef idx="0">
+            <a:schemeClr val="accent1"/>
+          </a:effectRef>
+          <a:fontRef idx="minor">
+            <a:schemeClr val="lt1"/>
+          </a:fontRef>
+        </p:style>
+        <p:txBody>
+          <a:bodyPr rtlCol="0" anchor="ctr"/>
+          <a:lstStyle/>
+          <a:p>
+            <a:pPr algn="ctr"/>
+            <a:endParaRPr lang="ko-KR" altLang="en-US"/>
+          </a:p>
+        </p:txBody>
+      </p:sp>
+      <p:sp>
+        <p:nvSpPr>
+          <p:cNvPr id="66" name="타원 65"/>
+          <p:cNvSpPr/>
+          <p:nvPr/>
+        </p:nvSpPr>
+        <p:spPr>
+          <a:xfrm>
+            <a:off x="8444994" y="4870349"/>
+            <a:ext cx="140677" cy="126610"/>
           </a:xfrm>
           <a:prstGeom prst="ellipse">
             <a:avLst/>
@@ -3489,14 +4234,14 @@
       </p:sp>
       <p:sp>
         <p:nvSpPr>
-          <p:cNvPr id="17" name="타원 16"/>
+          <p:cNvPr id="67" name="타원 66"/>
           <p:cNvSpPr/>
           <p:nvPr/>
         </p:nvSpPr>
         <p:spPr>
           <a:xfrm>
-            <a:off x="6678803" y="5050301"/>
-            <a:ext cx="140677" cy="140677"/>
+            <a:off x="9384155" y="4628829"/>
+            <a:ext cx="140677" cy="126610"/>
           </a:xfrm>
           <a:prstGeom prst="ellipse">
             <a:avLst/>
@@ -3537,14 +4282,14 @@
       </p:sp>
       <p:sp>
         <p:nvSpPr>
-          <p:cNvPr id="18" name="타원 17"/>
+          <p:cNvPr id="68" name="타원 67"/>
           <p:cNvSpPr/>
           <p:nvPr/>
         </p:nvSpPr>
         <p:spPr>
           <a:xfrm>
-            <a:off x="6770965" y="5287609"/>
-            <a:ext cx="140677" cy="140677"/>
+            <a:off x="7993163" y="5458265"/>
+            <a:ext cx="140677" cy="126610"/>
           </a:xfrm>
           <a:prstGeom prst="ellipse">
             <a:avLst/>
@@ -3585,14 +4330,14 @@
       </p:sp>
       <p:sp>
         <p:nvSpPr>
-          <p:cNvPr id="19" name="타원 18"/>
+          <p:cNvPr id="69" name="타원 68"/>
           <p:cNvSpPr/>
           <p:nvPr/>
         </p:nvSpPr>
         <p:spPr>
           <a:xfrm>
-            <a:off x="7180860" y="5036910"/>
-            <a:ext cx="140677" cy="140677"/>
+            <a:off x="9041799" y="5331655"/>
+            <a:ext cx="140677" cy="126610"/>
           </a:xfrm>
           <a:prstGeom prst="ellipse">
             <a:avLst/>
@@ -3633,14 +4378,14 @@
       </p:sp>
       <p:sp>
         <p:nvSpPr>
-          <p:cNvPr id="22" name="직사각형 21"/>
+          <p:cNvPr id="71" name="직사각형 70"/>
           <p:cNvSpPr/>
           <p:nvPr/>
         </p:nvSpPr>
         <p:spPr>
           <a:xfrm>
-            <a:off x="6503387" y="5604167"/>
-            <a:ext cx="84406" cy="172384"/>
+            <a:off x="8972533" y="1858693"/>
+            <a:ext cx="168812" cy="98473"/>
           </a:xfrm>
           <a:prstGeom prst="rect">
             <a:avLst/>
@@ -3648,11 +4393,6 @@
           <a:solidFill>
             <a:srgbClr val="0070C0"/>
           </a:solidFill>
-          <a:ln>
-            <a:solidFill>
-              <a:srgbClr val="0070C0"/>
-            </a:solidFill>
-          </a:ln>
         </p:spPr>
         <p:style>
           <a:lnRef idx="2">
@@ -3681,14 +4421,14 @@
       </p:sp>
       <p:sp>
         <p:nvSpPr>
-          <p:cNvPr id="23" name="직사각형 22"/>
+          <p:cNvPr id="72" name="직사각형 71"/>
           <p:cNvSpPr/>
           <p:nvPr/>
         </p:nvSpPr>
         <p:spPr>
           <a:xfrm>
-            <a:off x="6869439" y="5604167"/>
-            <a:ext cx="84406" cy="172384"/>
+            <a:off x="9408563" y="1647119"/>
+            <a:ext cx="168812" cy="98473"/>
           </a:xfrm>
           <a:prstGeom prst="rect">
             <a:avLst/>
@@ -3696,11 +4436,6 @@
           <a:solidFill>
             <a:srgbClr val="0070C0"/>
           </a:solidFill>
-          <a:ln>
-            <a:solidFill>
-              <a:srgbClr val="0070C0"/>
-            </a:solidFill>
-          </a:ln>
         </p:spPr>
         <p:style>
           <a:lnRef idx="2">
@@ -3729,14 +4464,14 @@
       </p:sp>
       <p:sp>
         <p:nvSpPr>
-          <p:cNvPr id="26" name="직사각형 25"/>
+          <p:cNvPr id="73" name="직사각형 72"/>
           <p:cNvSpPr/>
           <p:nvPr/>
         </p:nvSpPr>
         <p:spPr>
           <a:xfrm>
-            <a:off x="5311275" y="5859193"/>
-            <a:ext cx="84406" cy="172384"/>
+            <a:off x="9757980" y="2030678"/>
+            <a:ext cx="168812" cy="98473"/>
           </a:xfrm>
           <a:prstGeom prst="rect">
             <a:avLst/>
@@ -3744,11 +4479,6 @@
           <a:solidFill>
             <a:srgbClr val="0070C0"/>
           </a:solidFill>
-          <a:ln>
-            <a:solidFill>
-              <a:srgbClr val="0070C0"/>
-            </a:solidFill>
-          </a:ln>
         </p:spPr>
         <p:style>
           <a:lnRef idx="2">
@@ -3777,14 +4507,14 @@
       </p:sp>
       <p:sp>
         <p:nvSpPr>
-          <p:cNvPr id="27" name="직사각형 26"/>
+          <p:cNvPr id="74" name="직사각형 73"/>
           <p:cNvSpPr/>
           <p:nvPr/>
         </p:nvSpPr>
         <p:spPr>
           <a:xfrm>
-            <a:off x="6121455" y="5897935"/>
-            <a:ext cx="84406" cy="172384"/>
+            <a:off x="10079192" y="2342468"/>
+            <a:ext cx="168812" cy="98473"/>
           </a:xfrm>
           <a:prstGeom prst="rect">
             <a:avLst/>
@@ -3792,11 +4522,6 @@
           <a:solidFill>
             <a:srgbClr val="0070C0"/>
           </a:solidFill>
-          <a:ln>
-            <a:solidFill>
-              <a:srgbClr val="0070C0"/>
-            </a:solidFill>
-          </a:ln>
         </p:spPr>
         <p:style>
           <a:lnRef idx="2">
@@ -3825,304 +4550,144 @@
       </p:sp>
       <p:sp>
         <p:nvSpPr>
-          <p:cNvPr id="29" name="직사각형 28"/>
-          <p:cNvSpPr/>
+          <p:cNvPr id="63" name="TextBox 62"/>
+          <p:cNvSpPr txBox="1"/>
           <p:nvPr/>
         </p:nvSpPr>
         <p:spPr>
           <a:xfrm>
-            <a:off x="6628682" y="5897916"/>
-            <a:ext cx="84406" cy="172384"/>
+            <a:off x="1880102" y="5315802"/>
+            <a:ext cx="1399679" cy="369332"/>
           </a:xfrm>
           <a:prstGeom prst="rect">
             <a:avLst/>
           </a:prstGeom>
-          <a:solidFill>
-            <a:srgbClr val="0070C0"/>
-          </a:solidFill>
-          <a:ln>
-            <a:solidFill>
-              <a:srgbClr val="0070C0"/>
-            </a:solidFill>
-          </a:ln>
-        </p:spPr>
-        <p:style>
-          <a:lnRef idx="2">
-            <a:schemeClr val="accent1">
-              <a:shade val="50000"/>
-            </a:schemeClr>
-          </a:lnRef>
-          <a:fillRef idx="1">
-            <a:schemeClr val="accent1"/>
-          </a:fillRef>
-          <a:effectRef idx="0">
-            <a:schemeClr val="accent1"/>
-          </a:effectRef>
-          <a:fontRef idx="minor">
-            <a:schemeClr val="lt1"/>
-          </a:fontRef>
-        </p:style>
-        <p:txBody>
-          <a:bodyPr rtlCol="0" anchor="ctr"/>
-          <a:lstStyle/>
-          <a:p>
-            <a:pPr algn="ctr"/>
-            <a:endParaRPr lang="ko-KR" altLang="en-US"/>
-          </a:p>
-        </p:txBody>
-      </p:sp>
-      <p:sp>
-        <p:nvSpPr>
-          <p:cNvPr id="31" name="직사각형 30"/>
-          <p:cNvSpPr/>
+          <a:noFill/>
+        </p:spPr>
+        <p:txBody>
+          <a:bodyPr wrap="none" rtlCol="0">
+            <a:spAutoFit/>
+          </a:bodyPr>
+          <a:lstStyle/>
+          <a:p>
+            <a:r>
+              <a:rPr lang="en-US" altLang="ko-KR" dirty="0" smtClean="0"/>
+              <a:t>Input space</a:t>
+            </a:r>
+            <a:endParaRPr lang="ko-KR" altLang="en-US" dirty="0"/>
+          </a:p>
+        </p:txBody>
+      </p:sp>
+      <p:sp>
+        <p:nvSpPr>
+          <p:cNvPr id="75" name="TextBox 74"/>
+          <p:cNvSpPr txBox="1"/>
           <p:nvPr/>
         </p:nvSpPr>
         <p:spPr>
           <a:xfrm>
-            <a:off x="5632217" y="5604167"/>
-            <a:ext cx="84406" cy="172384"/>
+            <a:off x="7516081" y="5978883"/>
+            <a:ext cx="2477666" cy="369332"/>
           </a:xfrm>
           <a:prstGeom prst="rect">
             <a:avLst/>
           </a:prstGeom>
-          <a:solidFill>
-            <a:srgbClr val="0070C0"/>
-          </a:solidFill>
-          <a:ln>
-            <a:solidFill>
-              <a:srgbClr val="0070C0"/>
-            </a:solidFill>
-          </a:ln>
-        </p:spPr>
-        <p:style>
-          <a:lnRef idx="2">
-            <a:schemeClr val="accent1">
-              <a:shade val="50000"/>
-            </a:schemeClr>
-          </a:lnRef>
-          <a:fillRef idx="1">
-            <a:schemeClr val="accent1"/>
-          </a:fillRef>
-          <a:effectRef idx="0">
-            <a:schemeClr val="accent1"/>
-          </a:effectRef>
-          <a:fontRef idx="minor">
-            <a:schemeClr val="lt1"/>
-          </a:fontRef>
-        </p:style>
-        <p:txBody>
-          <a:bodyPr rtlCol="0" anchor="ctr"/>
-          <a:lstStyle/>
-          <a:p>
-            <a:pPr algn="ctr"/>
-            <a:endParaRPr lang="ko-KR" altLang="en-US"/>
-          </a:p>
-        </p:txBody>
-      </p:sp>
-      <p:sp>
-        <p:nvSpPr>
-          <p:cNvPr id="32" name="직사각형 31"/>
-          <p:cNvSpPr/>
+          <a:noFill/>
+        </p:spPr>
+        <p:txBody>
+          <a:bodyPr wrap="none" rtlCol="0">
+            <a:spAutoFit/>
+          </a:bodyPr>
+          <a:lstStyle/>
+          <a:p>
+            <a:r>
+              <a:rPr lang="en-US" altLang="ko-KR" dirty="0" smtClean="0"/>
+              <a:t>Feature(Hilbert) space</a:t>
+            </a:r>
+            <a:endParaRPr lang="ko-KR" altLang="en-US" dirty="0"/>
+          </a:p>
+        </p:txBody>
+      </p:sp>
+      <p:sp>
+        <p:nvSpPr>
+          <p:cNvPr id="76" name="TextBox 75"/>
+          <p:cNvSpPr txBox="1"/>
           <p:nvPr/>
         </p:nvSpPr>
         <p:spPr>
           <a:xfrm>
-            <a:off x="6037242" y="5553821"/>
-            <a:ext cx="84406" cy="172384"/>
+            <a:off x="4726745" y="6163549"/>
+            <a:ext cx="1112805" cy="369332"/>
           </a:xfrm>
           <a:prstGeom prst="rect">
             <a:avLst/>
           </a:prstGeom>
-          <a:solidFill>
-            <a:srgbClr val="0070C0"/>
-          </a:solidFill>
-          <a:ln>
-            <a:solidFill>
-              <a:srgbClr val="0070C0"/>
-            </a:solidFill>
-          </a:ln>
-        </p:spPr>
-        <p:style>
-          <a:lnRef idx="2">
-            <a:schemeClr val="accent1">
-              <a:shade val="50000"/>
-            </a:schemeClr>
-          </a:lnRef>
-          <a:fillRef idx="1">
-            <a:schemeClr val="accent1"/>
-          </a:fillRef>
-          <a:effectRef idx="0">
-            <a:schemeClr val="accent1"/>
-          </a:effectRef>
-          <a:fontRef idx="minor">
-            <a:schemeClr val="lt1"/>
-          </a:fontRef>
-        </p:style>
-        <p:txBody>
-          <a:bodyPr rtlCol="0" anchor="ctr"/>
-          <a:lstStyle/>
-          <a:p>
-            <a:pPr algn="ctr"/>
-            <a:endParaRPr lang="ko-KR" altLang="en-US"/>
-          </a:p>
-        </p:txBody>
-      </p:sp>
-      <p:sp>
-        <p:nvSpPr>
-          <p:cNvPr id="33" name="직사각형 32"/>
-          <p:cNvSpPr/>
-          <p:nvPr/>
-        </p:nvSpPr>
-        <p:spPr>
-          <a:xfrm>
-            <a:off x="5576216" y="5881554"/>
-            <a:ext cx="84406" cy="172384"/>
-          </a:xfrm>
-          <a:prstGeom prst="rect">
-            <a:avLst/>
-          </a:prstGeom>
-          <a:solidFill>
-            <a:srgbClr val="0070C0"/>
-          </a:solidFill>
-          <a:ln>
-            <a:solidFill>
-              <a:srgbClr val="0070C0"/>
-            </a:solidFill>
-          </a:ln>
-        </p:spPr>
-        <p:style>
-          <a:lnRef idx="2">
-            <a:schemeClr val="accent1">
-              <a:shade val="50000"/>
-            </a:schemeClr>
-          </a:lnRef>
-          <a:fillRef idx="1">
-            <a:schemeClr val="accent1"/>
-          </a:fillRef>
-          <a:effectRef idx="0">
-            <a:schemeClr val="accent1"/>
-          </a:effectRef>
-          <a:fontRef idx="minor">
-            <a:schemeClr val="lt1"/>
-          </a:fontRef>
-        </p:style>
-        <p:txBody>
-          <a:bodyPr rtlCol="0" anchor="ctr"/>
-          <a:lstStyle/>
-          <a:p>
-            <a:pPr algn="ctr"/>
-            <a:endParaRPr lang="ko-KR" altLang="en-US"/>
-          </a:p>
-        </p:txBody>
-      </p:sp>
-      <p:sp>
-        <p:nvSpPr>
-          <p:cNvPr id="34" name="직사각형 33"/>
-          <p:cNvSpPr/>
-          <p:nvPr/>
-        </p:nvSpPr>
-        <p:spPr>
-          <a:xfrm>
-            <a:off x="5814207" y="5755690"/>
-            <a:ext cx="84406" cy="172384"/>
-          </a:xfrm>
-          <a:prstGeom prst="rect">
-            <a:avLst/>
-          </a:prstGeom>
-          <a:solidFill>
-            <a:srgbClr val="0070C0"/>
-          </a:solidFill>
-          <a:ln>
-            <a:solidFill>
-              <a:srgbClr val="0070C0"/>
-            </a:solidFill>
-          </a:ln>
-        </p:spPr>
-        <p:style>
-          <a:lnRef idx="2">
-            <a:schemeClr val="accent1">
-              <a:shade val="50000"/>
-            </a:schemeClr>
-          </a:lnRef>
-          <a:fillRef idx="1">
-            <a:schemeClr val="accent1"/>
-          </a:fillRef>
-          <a:effectRef idx="0">
-            <a:schemeClr val="accent1"/>
-          </a:effectRef>
-          <a:fontRef idx="minor">
-            <a:schemeClr val="lt1"/>
-          </a:fontRef>
-        </p:style>
-        <p:txBody>
-          <a:bodyPr rtlCol="0" anchor="ctr"/>
-          <a:lstStyle/>
-          <a:p>
-            <a:pPr algn="ctr"/>
-            <a:endParaRPr lang="ko-KR" altLang="en-US"/>
-          </a:p>
-        </p:txBody>
-      </p:sp>
-      <p:sp>
-        <p:nvSpPr>
-          <p:cNvPr id="35" name="직사각형 34"/>
-          <p:cNvSpPr/>
-          <p:nvPr/>
-        </p:nvSpPr>
-        <p:spPr>
-          <a:xfrm>
-            <a:off x="6386500" y="5921752"/>
-            <a:ext cx="84406" cy="172384"/>
-          </a:xfrm>
-          <a:prstGeom prst="rect">
-            <a:avLst/>
-          </a:prstGeom>
-          <a:solidFill>
-            <a:srgbClr val="0070C0"/>
-          </a:solidFill>
-          <a:ln>
-            <a:solidFill>
-              <a:srgbClr val="0070C0"/>
-            </a:solidFill>
-          </a:ln>
-        </p:spPr>
-        <p:style>
-          <a:lnRef idx="2">
-            <a:schemeClr val="accent1">
-              <a:shade val="50000"/>
-            </a:schemeClr>
-          </a:lnRef>
-          <a:fillRef idx="1">
-            <a:schemeClr val="accent1"/>
-          </a:fillRef>
-          <a:effectRef idx="0">
-            <a:schemeClr val="accent1"/>
-          </a:effectRef>
-          <a:fontRef idx="minor">
-            <a:schemeClr val="lt1"/>
-          </a:fontRef>
-        </p:style>
-        <p:txBody>
-          <a:bodyPr rtlCol="0" anchor="ctr"/>
-          <a:lstStyle/>
-          <a:p>
-            <a:pPr algn="ctr"/>
-            <a:endParaRPr lang="ko-KR" altLang="en-US"/>
+          <a:noFill/>
+        </p:spPr>
+        <p:txBody>
+          <a:bodyPr wrap="none" rtlCol="0">
+            <a:spAutoFit/>
+          </a:bodyPr>
+          <a:lstStyle/>
+          <a:p>
+            <a:r>
+              <a:rPr lang="en-US" altLang="ko-KR" dirty="0" smtClean="0"/>
+              <a:t>mapping</a:t>
+            </a:r>
+            <a:endParaRPr lang="ko-KR" altLang="en-US" dirty="0"/>
           </a:p>
         </p:txBody>
       </p:sp>
       <p:cxnSp>
         <p:nvCxnSpPr>
-          <p:cNvPr id="37" name="직선 화살표 연결선 36"/>
+          <p:cNvPr id="78" name="구부러진 연결선 77"/>
           <p:cNvCxnSpPr/>
           <p:nvPr/>
         </p:nvCxnSpPr>
         <p:spPr>
-          <a:xfrm flipH="1" flipV="1">
-            <a:off x="1730326" y="3303223"/>
-            <a:ext cx="4278782" cy="1128101"/>
-          </a:xfrm>
-          <a:prstGeom prst="straightConnector1">
+          <a:xfrm>
+            <a:off x="2897945" y="5832733"/>
+            <a:ext cx="1681329" cy="515482"/>
+          </a:xfrm>
+          <a:prstGeom prst="curvedConnector3">
+            <a:avLst>
+              <a:gd name="adj1" fmla="val 60040"/>
+            </a:avLst>
+          </a:prstGeom>
+          <a:ln>
+            <a:solidFill>
+              <a:schemeClr val="tx1"/>
+            </a:solidFill>
+            <a:tailEnd type="triangle"/>
+          </a:ln>
+        </p:spPr>
+        <p:style>
+          <a:lnRef idx="1">
+            <a:schemeClr val="accent1"/>
+          </a:lnRef>
+          <a:fillRef idx="0">
+            <a:schemeClr val="accent1"/>
+          </a:fillRef>
+          <a:effectRef idx="0">
+            <a:schemeClr val="accent1"/>
+          </a:effectRef>
+          <a:fontRef idx="minor">
+            <a:schemeClr val="tx1"/>
+          </a:fontRef>
+        </p:style>
+      </p:cxnSp>
+      <p:cxnSp>
+        <p:nvCxnSpPr>
+          <p:cNvPr id="81" name="구부러진 연결선 80"/>
+          <p:cNvCxnSpPr/>
+          <p:nvPr/>
+        </p:nvCxnSpPr>
+        <p:spPr>
+          <a:xfrm flipV="1">
+            <a:off x="5968053" y="6163549"/>
+            <a:ext cx="1403418" cy="184666"/>
+          </a:xfrm>
+          <a:prstGeom prst="curvedConnector3">
             <a:avLst/>
           </a:prstGeom>
           <a:ln>
@@ -4147,2154 +4712,10 @@
           </a:fontRef>
         </p:style>
       </p:cxnSp>
-      <p:cxnSp>
-        <p:nvCxnSpPr>
-          <p:cNvPr id="39" name="직선 화살표 연결선 38"/>
-          <p:cNvCxnSpPr/>
-          <p:nvPr/>
-        </p:nvCxnSpPr>
-        <p:spPr>
-          <a:xfrm flipH="1" flipV="1">
-            <a:off x="4154156" y="3291840"/>
-            <a:ext cx="1854952" cy="1139484"/>
-          </a:xfrm>
-          <a:prstGeom prst="straightConnector1">
-            <a:avLst/>
-          </a:prstGeom>
-          <a:ln>
-            <a:solidFill>
-              <a:schemeClr val="tx1"/>
-            </a:solidFill>
-            <a:tailEnd type="triangle"/>
-          </a:ln>
-        </p:spPr>
-        <p:style>
-          <a:lnRef idx="1">
-            <a:schemeClr val="accent1"/>
-          </a:lnRef>
-          <a:fillRef idx="0">
-            <a:schemeClr val="accent1"/>
-          </a:fillRef>
-          <a:effectRef idx="0">
-            <a:schemeClr val="accent1"/>
-          </a:effectRef>
-          <a:fontRef idx="minor">
-            <a:schemeClr val="tx1"/>
-          </a:fontRef>
-        </p:style>
-      </p:cxnSp>
-      <p:cxnSp>
-        <p:nvCxnSpPr>
-          <p:cNvPr id="41" name="직선 화살표 연결선 40"/>
-          <p:cNvCxnSpPr/>
-          <p:nvPr/>
-        </p:nvCxnSpPr>
-        <p:spPr>
-          <a:xfrm flipV="1">
-            <a:off x="6009107" y="3303223"/>
-            <a:ext cx="280922" cy="1147405"/>
-          </a:xfrm>
-          <a:prstGeom prst="straightConnector1">
-            <a:avLst/>
-          </a:prstGeom>
-          <a:ln>
-            <a:solidFill>
-              <a:schemeClr val="tx1"/>
-            </a:solidFill>
-            <a:tailEnd type="triangle"/>
-          </a:ln>
-        </p:spPr>
-        <p:style>
-          <a:lnRef idx="1">
-            <a:schemeClr val="accent1"/>
-          </a:lnRef>
-          <a:fillRef idx="0">
-            <a:schemeClr val="accent1"/>
-          </a:fillRef>
-          <a:effectRef idx="0">
-            <a:schemeClr val="accent1"/>
-          </a:effectRef>
-          <a:fontRef idx="minor">
-            <a:schemeClr val="tx1"/>
-          </a:fontRef>
-        </p:style>
-      </p:cxnSp>
-      <p:cxnSp>
-        <p:nvCxnSpPr>
-          <p:cNvPr id="43" name="직선 화살표 연결선 42"/>
-          <p:cNvCxnSpPr/>
-          <p:nvPr/>
-        </p:nvCxnSpPr>
-        <p:spPr>
-          <a:xfrm flipV="1">
-            <a:off x="6037242" y="3326498"/>
-            <a:ext cx="1911004" cy="1120688"/>
-          </a:xfrm>
-          <a:prstGeom prst="straightConnector1">
-            <a:avLst/>
-          </a:prstGeom>
-          <a:ln>
-            <a:solidFill>
-              <a:schemeClr val="tx1"/>
-            </a:solidFill>
-            <a:tailEnd type="triangle"/>
-          </a:ln>
-        </p:spPr>
-        <p:style>
-          <a:lnRef idx="1">
-            <a:schemeClr val="accent1"/>
-          </a:lnRef>
-          <a:fillRef idx="0">
-            <a:schemeClr val="accent1"/>
-          </a:fillRef>
-          <a:effectRef idx="0">
-            <a:schemeClr val="accent1"/>
-          </a:effectRef>
-          <a:fontRef idx="minor">
-            <a:schemeClr val="tx1"/>
-          </a:fontRef>
-        </p:style>
-      </p:cxnSp>
-      <p:sp>
-        <p:nvSpPr>
-          <p:cNvPr id="44" name="평행 사변형 43"/>
-          <p:cNvSpPr/>
-          <p:nvPr/>
-        </p:nvSpPr>
-        <p:spPr>
-          <a:xfrm>
-            <a:off x="778413" y="2113403"/>
-            <a:ext cx="2189871" cy="942535"/>
-          </a:xfrm>
-          <a:prstGeom prst="parallelogram">
-            <a:avLst/>
-          </a:prstGeom>
-          <a:solidFill>
-            <a:srgbClr val="FFFF00">
-              <a:alpha val="50000"/>
-            </a:srgbClr>
-          </a:solidFill>
-          <a:ln>
-            <a:solidFill>
-              <a:schemeClr val="tx1"/>
-            </a:solidFill>
-          </a:ln>
-        </p:spPr>
-        <p:style>
-          <a:lnRef idx="2">
-            <a:schemeClr val="accent1">
-              <a:shade val="50000"/>
-            </a:schemeClr>
-          </a:lnRef>
-          <a:fillRef idx="1">
-            <a:schemeClr val="accent1"/>
-          </a:fillRef>
-          <a:effectRef idx="0">
-            <a:schemeClr val="accent1"/>
-          </a:effectRef>
-          <a:fontRef idx="minor">
-            <a:schemeClr val="lt1"/>
-          </a:fontRef>
-        </p:style>
-        <p:txBody>
-          <a:bodyPr rtlCol="0" anchor="ctr"/>
-          <a:lstStyle/>
-          <a:p>
-            <a:pPr algn="ctr"/>
-            <a:endParaRPr lang="ko-KR" altLang="en-US"/>
-          </a:p>
-        </p:txBody>
-      </p:sp>
-      <p:sp>
-        <p:nvSpPr>
-          <p:cNvPr id="45" name="평행 사변형 44"/>
-          <p:cNvSpPr/>
-          <p:nvPr/>
-        </p:nvSpPr>
-        <p:spPr>
-          <a:xfrm>
-            <a:off x="2987039" y="2105156"/>
-            <a:ext cx="2189871" cy="942535"/>
-          </a:xfrm>
-          <a:prstGeom prst="parallelogram">
-            <a:avLst/>
-          </a:prstGeom>
-          <a:solidFill>
-            <a:srgbClr val="FFFF00">
-              <a:alpha val="50000"/>
-            </a:srgbClr>
-          </a:solidFill>
-          <a:ln>
-            <a:solidFill>
-              <a:schemeClr val="tx1"/>
-            </a:solidFill>
-          </a:ln>
-        </p:spPr>
-        <p:style>
-          <a:lnRef idx="2">
-            <a:schemeClr val="accent1">
-              <a:shade val="50000"/>
-            </a:schemeClr>
-          </a:lnRef>
-          <a:fillRef idx="1">
-            <a:schemeClr val="accent1"/>
-          </a:fillRef>
-          <a:effectRef idx="0">
-            <a:schemeClr val="accent1"/>
-          </a:effectRef>
-          <a:fontRef idx="minor">
-            <a:schemeClr val="lt1"/>
-          </a:fontRef>
-        </p:style>
-        <p:txBody>
-          <a:bodyPr rtlCol="0" anchor="ctr"/>
-          <a:lstStyle/>
-          <a:p>
-            <a:pPr algn="ctr"/>
-            <a:endParaRPr lang="ko-KR" altLang="en-US"/>
-          </a:p>
-        </p:txBody>
-      </p:sp>
-      <p:sp>
-        <p:nvSpPr>
-          <p:cNvPr id="46" name="평행 사변형 45"/>
-          <p:cNvSpPr/>
-          <p:nvPr/>
-        </p:nvSpPr>
-        <p:spPr>
-          <a:xfrm>
-            <a:off x="5265431" y="2105156"/>
-            <a:ext cx="2189871" cy="942535"/>
-          </a:xfrm>
-          <a:prstGeom prst="parallelogram">
-            <a:avLst/>
-          </a:prstGeom>
-          <a:solidFill>
-            <a:srgbClr val="FFFF00">
-              <a:alpha val="50000"/>
-            </a:srgbClr>
-          </a:solidFill>
-          <a:ln>
-            <a:solidFill>
-              <a:schemeClr val="tx1"/>
-            </a:solidFill>
-          </a:ln>
-        </p:spPr>
-        <p:style>
-          <a:lnRef idx="2">
-            <a:schemeClr val="accent1">
-              <a:shade val="50000"/>
-            </a:schemeClr>
-          </a:lnRef>
-          <a:fillRef idx="1">
-            <a:schemeClr val="accent1"/>
-          </a:fillRef>
-          <a:effectRef idx="0">
-            <a:schemeClr val="accent1"/>
-          </a:effectRef>
-          <a:fontRef idx="minor">
-            <a:schemeClr val="lt1"/>
-          </a:fontRef>
-        </p:style>
-        <p:txBody>
-          <a:bodyPr rtlCol="0" anchor="ctr"/>
-          <a:lstStyle/>
-          <a:p>
-            <a:pPr algn="ctr"/>
-            <a:endParaRPr lang="ko-KR" altLang="en-US"/>
-          </a:p>
-        </p:txBody>
-      </p:sp>
-      <p:sp>
-        <p:nvSpPr>
-          <p:cNvPr id="47" name="평행 사변형 46"/>
-          <p:cNvSpPr/>
-          <p:nvPr/>
-        </p:nvSpPr>
-        <p:spPr>
-          <a:xfrm>
-            <a:off x="7444153" y="2107191"/>
-            <a:ext cx="2189871" cy="942535"/>
-          </a:xfrm>
-          <a:prstGeom prst="parallelogram">
-            <a:avLst/>
-          </a:prstGeom>
-          <a:solidFill>
-            <a:srgbClr val="FFFF00">
-              <a:alpha val="50000"/>
-            </a:srgbClr>
-          </a:solidFill>
-          <a:ln>
-            <a:solidFill>
-              <a:schemeClr val="tx1"/>
-            </a:solidFill>
-          </a:ln>
-        </p:spPr>
-        <p:style>
-          <a:lnRef idx="2">
-            <a:schemeClr val="accent1">
-              <a:shade val="50000"/>
-            </a:schemeClr>
-          </a:lnRef>
-          <a:fillRef idx="1">
-            <a:schemeClr val="accent1"/>
-          </a:fillRef>
-          <a:effectRef idx="0">
-            <a:schemeClr val="accent1"/>
-          </a:effectRef>
-          <a:fontRef idx="minor">
-            <a:schemeClr val="lt1"/>
-          </a:fontRef>
-        </p:style>
-        <p:txBody>
-          <a:bodyPr rtlCol="0" anchor="ctr"/>
-          <a:lstStyle/>
-          <a:p>
-            <a:pPr algn="ctr"/>
-            <a:endParaRPr lang="ko-KR" altLang="en-US"/>
-          </a:p>
-        </p:txBody>
-      </p:sp>
-      <p:sp>
-        <p:nvSpPr>
-          <p:cNvPr id="52" name="TextBox 51"/>
-          <p:cNvSpPr txBox="1"/>
-          <p:nvPr/>
-        </p:nvSpPr>
-        <p:spPr>
-          <a:xfrm>
-            <a:off x="8539088" y="3629465"/>
-            <a:ext cx="3473964" cy="646331"/>
-          </a:xfrm>
-          <a:prstGeom prst="rect">
-            <a:avLst/>
-          </a:prstGeom>
-          <a:noFill/>
-        </p:spPr>
-        <p:txBody>
-          <a:bodyPr wrap="none" rtlCol="0">
-            <a:spAutoFit/>
-          </a:bodyPr>
-          <a:lstStyle/>
-          <a:p>
-            <a:r>
-              <a:rPr lang="en-US" altLang="ko-KR" dirty="0" smtClean="0"/>
-              <a:t>Random sampling</a:t>
-            </a:r>
-          </a:p>
-          <a:p>
-            <a:r>
-              <a:rPr lang="en-US" altLang="ko-KR" dirty="0" smtClean="0"/>
-              <a:t>(with replacement = bootstrap)</a:t>
-            </a:r>
-            <a:endParaRPr lang="ko-KR" altLang="en-US" dirty="0"/>
-          </a:p>
-        </p:txBody>
-      </p:sp>
-      <p:sp>
-        <p:nvSpPr>
-          <p:cNvPr id="53" name="TextBox 52"/>
-          <p:cNvSpPr txBox="1"/>
-          <p:nvPr/>
-        </p:nvSpPr>
-        <p:spPr>
-          <a:xfrm>
-            <a:off x="9929983" y="2236763"/>
-            <a:ext cx="1006173" cy="369332"/>
-          </a:xfrm>
-          <a:prstGeom prst="rect">
-            <a:avLst/>
-          </a:prstGeom>
-          <a:noFill/>
-        </p:spPr>
-        <p:txBody>
-          <a:bodyPr wrap="none" rtlCol="0">
-            <a:spAutoFit/>
-          </a:bodyPr>
-          <a:lstStyle/>
-          <a:p>
-            <a:r>
-              <a:rPr lang="en-US" altLang="ko-KR" dirty="0" smtClean="0"/>
-              <a:t>Training</a:t>
-            </a:r>
-            <a:endParaRPr lang="ko-KR" altLang="en-US" dirty="0"/>
-          </a:p>
-        </p:txBody>
-      </p:sp>
-      <p:cxnSp>
-        <p:nvCxnSpPr>
-          <p:cNvPr id="57" name="직선 화살표 연결선 56"/>
-          <p:cNvCxnSpPr/>
-          <p:nvPr/>
-        </p:nvCxnSpPr>
-        <p:spPr>
-          <a:xfrm flipV="1">
-            <a:off x="1237957" y="2236763"/>
-            <a:ext cx="0" cy="647114"/>
-          </a:xfrm>
-          <a:prstGeom prst="straightConnector1">
-            <a:avLst/>
-          </a:prstGeom>
-          <a:ln>
-            <a:solidFill>
-              <a:schemeClr val="tx1"/>
-            </a:solidFill>
-            <a:tailEnd type="triangle"/>
-          </a:ln>
-        </p:spPr>
-        <p:style>
-          <a:lnRef idx="1">
-            <a:schemeClr val="accent1"/>
-          </a:lnRef>
-          <a:fillRef idx="0">
-            <a:schemeClr val="accent1"/>
-          </a:fillRef>
-          <a:effectRef idx="0">
-            <a:schemeClr val="accent1"/>
-          </a:effectRef>
-          <a:fontRef idx="minor">
-            <a:schemeClr val="tx1"/>
-          </a:fontRef>
-        </p:style>
-      </p:cxnSp>
-      <p:cxnSp>
-        <p:nvCxnSpPr>
-          <p:cNvPr id="60" name="직선 화살표 연결선 59"/>
-          <p:cNvCxnSpPr/>
-          <p:nvPr/>
-        </p:nvCxnSpPr>
-        <p:spPr>
-          <a:xfrm flipV="1">
-            <a:off x="1237957" y="2883877"/>
-            <a:ext cx="1097280" cy="14068"/>
-          </a:xfrm>
-          <a:prstGeom prst="straightConnector1">
-            <a:avLst/>
-          </a:prstGeom>
-          <a:ln>
-            <a:solidFill>
-              <a:schemeClr val="tx1"/>
-            </a:solidFill>
-            <a:tailEnd type="triangle"/>
-          </a:ln>
-        </p:spPr>
-        <p:style>
-          <a:lnRef idx="1">
-            <a:schemeClr val="accent1"/>
-          </a:lnRef>
-          <a:fillRef idx="0">
-            <a:schemeClr val="accent1"/>
-          </a:fillRef>
-          <a:effectRef idx="0">
-            <a:schemeClr val="accent1"/>
-          </a:effectRef>
-          <a:fontRef idx="minor">
-            <a:schemeClr val="tx1"/>
-          </a:fontRef>
-        </p:style>
-      </p:cxnSp>
-      <p:sp>
-        <p:nvSpPr>
-          <p:cNvPr id="61" name="타원 60"/>
-          <p:cNvSpPr/>
-          <p:nvPr/>
-        </p:nvSpPr>
-        <p:spPr>
-          <a:xfrm>
-            <a:off x="1393240" y="2419643"/>
-            <a:ext cx="140677" cy="140677"/>
-          </a:xfrm>
-          <a:prstGeom prst="ellipse">
-            <a:avLst/>
-          </a:prstGeom>
-          <a:solidFill>
-            <a:srgbClr val="FF0000"/>
-          </a:solidFill>
-          <a:ln>
-            <a:solidFill>
-              <a:srgbClr val="FF0000"/>
-            </a:solidFill>
-          </a:ln>
-        </p:spPr>
-        <p:style>
-          <a:lnRef idx="2">
-            <a:schemeClr val="accent1">
-              <a:shade val="50000"/>
-            </a:schemeClr>
-          </a:lnRef>
-          <a:fillRef idx="1">
-            <a:schemeClr val="accent1"/>
-          </a:fillRef>
-          <a:effectRef idx="0">
-            <a:schemeClr val="accent1"/>
-          </a:effectRef>
-          <a:fontRef idx="minor">
-            <a:schemeClr val="lt1"/>
-          </a:fontRef>
-        </p:style>
-        <p:txBody>
-          <a:bodyPr rtlCol="0" anchor="ctr"/>
-          <a:lstStyle/>
-          <a:p>
-            <a:pPr algn="ctr"/>
-            <a:endParaRPr lang="ko-KR" altLang="en-US"/>
-          </a:p>
-        </p:txBody>
-      </p:sp>
-      <p:sp>
-        <p:nvSpPr>
-          <p:cNvPr id="62" name="직사각형 61"/>
-          <p:cNvSpPr/>
-          <p:nvPr/>
-        </p:nvSpPr>
-        <p:spPr>
-          <a:xfrm>
-            <a:off x="1679466" y="2635907"/>
-            <a:ext cx="84406" cy="172384"/>
-          </a:xfrm>
-          <a:prstGeom prst="rect">
-            <a:avLst/>
-          </a:prstGeom>
-          <a:solidFill>
-            <a:srgbClr val="0070C0"/>
-          </a:solidFill>
-          <a:ln>
-            <a:solidFill>
-              <a:srgbClr val="0070C0"/>
-            </a:solidFill>
-          </a:ln>
-        </p:spPr>
-        <p:style>
-          <a:lnRef idx="2">
-            <a:schemeClr val="accent1">
-              <a:shade val="50000"/>
-            </a:schemeClr>
-          </a:lnRef>
-          <a:fillRef idx="1">
-            <a:schemeClr val="accent1"/>
-          </a:fillRef>
-          <a:effectRef idx="0">
-            <a:schemeClr val="accent1"/>
-          </a:effectRef>
-          <a:fontRef idx="minor">
-            <a:schemeClr val="lt1"/>
-          </a:fontRef>
-        </p:style>
-        <p:txBody>
-          <a:bodyPr rtlCol="0" anchor="ctr"/>
-          <a:lstStyle/>
-          <a:p>
-            <a:pPr algn="ctr"/>
-            <a:endParaRPr lang="ko-KR" altLang="en-US"/>
-          </a:p>
-        </p:txBody>
-      </p:sp>
-      <p:cxnSp>
-        <p:nvCxnSpPr>
-          <p:cNvPr id="64" name="직선 화살표 연결선 63"/>
-          <p:cNvCxnSpPr/>
-          <p:nvPr/>
-        </p:nvCxnSpPr>
-        <p:spPr>
-          <a:xfrm flipH="1" flipV="1">
-            <a:off x="3460652" y="2236763"/>
-            <a:ext cx="14068" cy="647114"/>
-          </a:xfrm>
-          <a:prstGeom prst="straightConnector1">
-            <a:avLst/>
-          </a:prstGeom>
-          <a:ln>
-            <a:solidFill>
-              <a:schemeClr val="tx1"/>
-            </a:solidFill>
-            <a:tailEnd type="triangle"/>
-          </a:ln>
-        </p:spPr>
-        <p:style>
-          <a:lnRef idx="1">
-            <a:schemeClr val="accent1"/>
-          </a:lnRef>
-          <a:fillRef idx="0">
-            <a:schemeClr val="accent1"/>
-          </a:fillRef>
-          <a:effectRef idx="0">
-            <a:schemeClr val="accent1"/>
-          </a:effectRef>
-          <a:fontRef idx="minor">
-            <a:schemeClr val="tx1"/>
-          </a:fontRef>
-        </p:style>
-      </p:cxnSp>
-      <p:cxnSp>
-        <p:nvCxnSpPr>
-          <p:cNvPr id="66" name="직선 화살표 연결선 65"/>
-          <p:cNvCxnSpPr/>
-          <p:nvPr/>
-        </p:nvCxnSpPr>
-        <p:spPr>
-          <a:xfrm>
-            <a:off x="3474720" y="2883877"/>
-            <a:ext cx="1039239" cy="0"/>
-          </a:xfrm>
-          <a:prstGeom prst="straightConnector1">
-            <a:avLst/>
-          </a:prstGeom>
-          <a:ln>
-            <a:solidFill>
-              <a:schemeClr val="tx1"/>
-            </a:solidFill>
-            <a:tailEnd type="triangle"/>
-          </a:ln>
-        </p:spPr>
-        <p:style>
-          <a:lnRef idx="1">
-            <a:schemeClr val="accent1"/>
-          </a:lnRef>
-          <a:fillRef idx="0">
-            <a:schemeClr val="accent1"/>
-          </a:fillRef>
-          <a:effectRef idx="0">
-            <a:schemeClr val="accent1"/>
-          </a:effectRef>
-          <a:fontRef idx="minor">
-            <a:schemeClr val="tx1"/>
-          </a:fontRef>
-        </p:style>
-      </p:cxnSp>
-      <p:cxnSp>
-        <p:nvCxnSpPr>
-          <p:cNvPr id="69" name="직선 화살표 연결선 68"/>
-          <p:cNvCxnSpPr/>
-          <p:nvPr/>
-        </p:nvCxnSpPr>
-        <p:spPr>
-          <a:xfrm flipV="1">
-            <a:off x="5767753" y="2236763"/>
-            <a:ext cx="0" cy="647114"/>
-          </a:xfrm>
-          <a:prstGeom prst="straightConnector1">
-            <a:avLst/>
-          </a:prstGeom>
-          <a:ln>
-            <a:solidFill>
-              <a:schemeClr val="tx1"/>
-            </a:solidFill>
-            <a:tailEnd type="triangle"/>
-          </a:ln>
-        </p:spPr>
-        <p:style>
-          <a:lnRef idx="1">
-            <a:schemeClr val="accent1"/>
-          </a:lnRef>
-          <a:fillRef idx="0">
-            <a:schemeClr val="accent1"/>
-          </a:fillRef>
-          <a:effectRef idx="0">
-            <a:schemeClr val="accent1"/>
-          </a:effectRef>
-          <a:fontRef idx="minor">
-            <a:schemeClr val="tx1"/>
-          </a:fontRef>
-        </p:style>
-      </p:cxnSp>
-      <p:cxnSp>
-        <p:nvCxnSpPr>
-          <p:cNvPr id="71" name="직선 화살표 연결선 70"/>
-          <p:cNvCxnSpPr/>
-          <p:nvPr/>
-        </p:nvCxnSpPr>
-        <p:spPr>
-          <a:xfrm>
-            <a:off x="5776267" y="2883877"/>
-            <a:ext cx="1065036" cy="0"/>
-          </a:xfrm>
-          <a:prstGeom prst="straightConnector1">
-            <a:avLst/>
-          </a:prstGeom>
-          <a:ln>
-            <a:solidFill>
-              <a:schemeClr val="tx1"/>
-            </a:solidFill>
-            <a:tailEnd type="triangle"/>
-          </a:ln>
-        </p:spPr>
-        <p:style>
-          <a:lnRef idx="1">
-            <a:schemeClr val="accent1"/>
-          </a:lnRef>
-          <a:fillRef idx="0">
-            <a:schemeClr val="accent1"/>
-          </a:fillRef>
-          <a:effectRef idx="0">
-            <a:schemeClr val="accent1"/>
-          </a:effectRef>
-          <a:fontRef idx="minor">
-            <a:schemeClr val="tx1"/>
-          </a:fontRef>
-        </p:style>
-      </p:cxnSp>
-      <p:cxnSp>
-        <p:nvCxnSpPr>
-          <p:cNvPr id="73" name="직선 화살표 연결선 72"/>
-          <p:cNvCxnSpPr/>
-          <p:nvPr/>
-        </p:nvCxnSpPr>
-        <p:spPr>
-          <a:xfrm flipV="1">
-            <a:off x="7948246" y="2236763"/>
-            <a:ext cx="0" cy="647114"/>
-          </a:xfrm>
-          <a:prstGeom prst="straightConnector1">
-            <a:avLst/>
-          </a:prstGeom>
-          <a:ln>
-            <a:solidFill>
-              <a:schemeClr val="tx1"/>
-            </a:solidFill>
-            <a:tailEnd type="triangle"/>
-          </a:ln>
-        </p:spPr>
-        <p:style>
-          <a:lnRef idx="1">
-            <a:schemeClr val="accent1"/>
-          </a:lnRef>
-          <a:fillRef idx="0">
-            <a:schemeClr val="accent1"/>
-          </a:fillRef>
-          <a:effectRef idx="0">
-            <a:schemeClr val="accent1"/>
-          </a:effectRef>
-          <a:fontRef idx="minor">
-            <a:schemeClr val="tx1"/>
-          </a:fontRef>
-        </p:style>
-      </p:cxnSp>
-      <p:cxnSp>
-        <p:nvCxnSpPr>
-          <p:cNvPr id="75" name="직선 화살표 연결선 74"/>
-          <p:cNvCxnSpPr/>
-          <p:nvPr/>
-        </p:nvCxnSpPr>
-        <p:spPr>
-          <a:xfrm>
-            <a:off x="7948246" y="2883877"/>
-            <a:ext cx="1111348" cy="0"/>
-          </a:xfrm>
-          <a:prstGeom prst="straightConnector1">
-            <a:avLst/>
-          </a:prstGeom>
-          <a:ln>
-            <a:solidFill>
-              <a:schemeClr val="tx1"/>
-            </a:solidFill>
-            <a:tailEnd type="triangle"/>
-          </a:ln>
-        </p:spPr>
-        <p:style>
-          <a:lnRef idx="1">
-            <a:schemeClr val="accent1"/>
-          </a:lnRef>
-          <a:fillRef idx="0">
-            <a:schemeClr val="accent1"/>
-          </a:fillRef>
-          <a:effectRef idx="0">
-            <a:schemeClr val="accent1"/>
-          </a:effectRef>
-          <a:fontRef idx="minor">
-            <a:schemeClr val="tx1"/>
-          </a:fontRef>
-        </p:style>
-      </p:cxnSp>
-      <p:sp>
-        <p:nvSpPr>
-          <p:cNvPr id="76" name="타원 75"/>
-          <p:cNvSpPr/>
-          <p:nvPr/>
-        </p:nvSpPr>
-        <p:spPr>
-          <a:xfrm>
-            <a:off x="1730326" y="2278246"/>
-            <a:ext cx="140677" cy="140677"/>
-          </a:xfrm>
-          <a:prstGeom prst="ellipse">
-            <a:avLst/>
-          </a:prstGeom>
-          <a:solidFill>
-            <a:srgbClr val="FF0000"/>
-          </a:solidFill>
-          <a:ln>
-            <a:solidFill>
-              <a:srgbClr val="FF0000"/>
-            </a:solidFill>
-          </a:ln>
-        </p:spPr>
-        <p:style>
-          <a:lnRef idx="2">
-            <a:schemeClr val="accent1">
-              <a:shade val="50000"/>
-            </a:schemeClr>
-          </a:lnRef>
-          <a:fillRef idx="1">
-            <a:schemeClr val="accent1"/>
-          </a:fillRef>
-          <a:effectRef idx="0">
-            <a:schemeClr val="accent1"/>
-          </a:effectRef>
-          <a:fontRef idx="minor">
-            <a:schemeClr val="lt1"/>
-          </a:fontRef>
-        </p:style>
-        <p:txBody>
-          <a:bodyPr rtlCol="0" anchor="ctr"/>
-          <a:lstStyle/>
-          <a:p>
-            <a:pPr algn="ctr"/>
-            <a:endParaRPr lang="ko-KR" altLang="en-US"/>
-          </a:p>
-        </p:txBody>
-      </p:sp>
-      <p:sp>
-        <p:nvSpPr>
-          <p:cNvPr id="77" name="타원 76"/>
-          <p:cNvSpPr/>
-          <p:nvPr/>
-        </p:nvSpPr>
-        <p:spPr>
-          <a:xfrm>
-            <a:off x="2021060" y="2291036"/>
-            <a:ext cx="140677" cy="140677"/>
-          </a:xfrm>
-          <a:prstGeom prst="ellipse">
-            <a:avLst/>
-          </a:prstGeom>
-          <a:solidFill>
-            <a:srgbClr val="FF0000"/>
-          </a:solidFill>
-          <a:ln>
-            <a:solidFill>
-              <a:srgbClr val="FF0000"/>
-            </a:solidFill>
-          </a:ln>
-        </p:spPr>
-        <p:style>
-          <a:lnRef idx="2">
-            <a:schemeClr val="accent1">
-              <a:shade val="50000"/>
-            </a:schemeClr>
-          </a:lnRef>
-          <a:fillRef idx="1">
-            <a:schemeClr val="accent1"/>
-          </a:fillRef>
-          <a:effectRef idx="0">
-            <a:schemeClr val="accent1"/>
-          </a:effectRef>
-          <a:fontRef idx="minor">
-            <a:schemeClr val="lt1"/>
-          </a:fontRef>
-        </p:style>
-        <p:txBody>
-          <a:bodyPr rtlCol="0" anchor="ctr"/>
-          <a:lstStyle/>
-          <a:p>
-            <a:pPr algn="ctr"/>
-            <a:endParaRPr lang="ko-KR" altLang="en-US"/>
-          </a:p>
-        </p:txBody>
-      </p:sp>
-      <p:sp>
-        <p:nvSpPr>
-          <p:cNvPr id="78" name="직사각형 77"/>
-          <p:cNvSpPr/>
-          <p:nvPr/>
-        </p:nvSpPr>
-        <p:spPr>
-          <a:xfrm>
-            <a:off x="1905597" y="2563318"/>
-            <a:ext cx="84406" cy="172384"/>
-          </a:xfrm>
-          <a:prstGeom prst="rect">
-            <a:avLst/>
-          </a:prstGeom>
-          <a:solidFill>
-            <a:srgbClr val="0070C0"/>
-          </a:solidFill>
-          <a:ln>
-            <a:solidFill>
-              <a:srgbClr val="0070C0"/>
-            </a:solidFill>
-          </a:ln>
-        </p:spPr>
-        <p:style>
-          <a:lnRef idx="2">
-            <a:schemeClr val="accent1">
-              <a:shade val="50000"/>
-            </a:schemeClr>
-          </a:lnRef>
-          <a:fillRef idx="1">
-            <a:schemeClr val="accent1"/>
-          </a:fillRef>
-          <a:effectRef idx="0">
-            <a:schemeClr val="accent1"/>
-          </a:effectRef>
-          <a:fontRef idx="minor">
-            <a:schemeClr val="lt1"/>
-          </a:fontRef>
-        </p:style>
-        <p:txBody>
-          <a:bodyPr rtlCol="0" anchor="ctr"/>
-          <a:lstStyle/>
-          <a:p>
-            <a:pPr algn="ctr"/>
-            <a:endParaRPr lang="ko-KR" altLang="en-US"/>
-          </a:p>
-        </p:txBody>
-      </p:sp>
-      <p:sp>
-        <p:nvSpPr>
-          <p:cNvPr id="79" name="직사각형 78"/>
-          <p:cNvSpPr/>
-          <p:nvPr/>
-        </p:nvSpPr>
-        <p:spPr>
-          <a:xfrm>
-            <a:off x="2153079" y="2587527"/>
-            <a:ext cx="84406" cy="172384"/>
-          </a:xfrm>
-          <a:prstGeom prst="rect">
-            <a:avLst/>
-          </a:prstGeom>
-          <a:solidFill>
-            <a:srgbClr val="0070C0"/>
-          </a:solidFill>
-          <a:ln>
-            <a:solidFill>
-              <a:srgbClr val="0070C0"/>
-            </a:solidFill>
-          </a:ln>
-        </p:spPr>
-        <p:style>
-          <a:lnRef idx="2">
-            <a:schemeClr val="accent1">
-              <a:shade val="50000"/>
-            </a:schemeClr>
-          </a:lnRef>
-          <a:fillRef idx="1">
-            <a:schemeClr val="accent1"/>
-          </a:fillRef>
-          <a:effectRef idx="0">
-            <a:schemeClr val="accent1"/>
-          </a:effectRef>
-          <a:fontRef idx="minor">
-            <a:schemeClr val="lt1"/>
-          </a:fontRef>
-        </p:style>
-        <p:txBody>
-          <a:bodyPr rtlCol="0" anchor="ctr"/>
-          <a:lstStyle/>
-          <a:p>
-            <a:pPr algn="ctr"/>
-            <a:endParaRPr lang="ko-KR" altLang="en-US"/>
-          </a:p>
-        </p:txBody>
-      </p:sp>
-      <p:sp>
-        <p:nvSpPr>
-          <p:cNvPr id="80" name="타원 79"/>
-          <p:cNvSpPr/>
-          <p:nvPr/>
-        </p:nvSpPr>
-        <p:spPr>
-          <a:xfrm>
-            <a:off x="3665806" y="2273903"/>
-            <a:ext cx="140677" cy="140677"/>
-          </a:xfrm>
-          <a:prstGeom prst="ellipse">
-            <a:avLst/>
-          </a:prstGeom>
-          <a:solidFill>
-            <a:srgbClr val="FF0000"/>
-          </a:solidFill>
-          <a:ln>
-            <a:solidFill>
-              <a:srgbClr val="FF0000"/>
-            </a:solidFill>
-          </a:ln>
-        </p:spPr>
-        <p:style>
-          <a:lnRef idx="2">
-            <a:schemeClr val="accent1">
-              <a:shade val="50000"/>
-            </a:schemeClr>
-          </a:lnRef>
-          <a:fillRef idx="1">
-            <a:schemeClr val="accent1"/>
-          </a:fillRef>
-          <a:effectRef idx="0">
-            <a:schemeClr val="accent1"/>
-          </a:effectRef>
-          <a:fontRef idx="minor">
-            <a:schemeClr val="lt1"/>
-          </a:fontRef>
-        </p:style>
-        <p:txBody>
-          <a:bodyPr rtlCol="0" anchor="ctr"/>
-          <a:lstStyle/>
-          <a:p>
-            <a:pPr algn="ctr"/>
-            <a:endParaRPr lang="ko-KR" altLang="en-US"/>
-          </a:p>
-        </p:txBody>
-      </p:sp>
-      <p:sp>
-        <p:nvSpPr>
-          <p:cNvPr id="81" name="타원 80"/>
-          <p:cNvSpPr/>
-          <p:nvPr/>
-        </p:nvSpPr>
-        <p:spPr>
-          <a:xfrm>
-            <a:off x="3635923" y="2635907"/>
-            <a:ext cx="140677" cy="140677"/>
-          </a:xfrm>
-          <a:prstGeom prst="ellipse">
-            <a:avLst/>
-          </a:prstGeom>
-          <a:solidFill>
-            <a:srgbClr val="FF0000"/>
-          </a:solidFill>
-          <a:ln>
-            <a:solidFill>
-              <a:srgbClr val="FF0000"/>
-            </a:solidFill>
-          </a:ln>
-        </p:spPr>
-        <p:style>
-          <a:lnRef idx="2">
-            <a:schemeClr val="accent1">
-              <a:shade val="50000"/>
-            </a:schemeClr>
-          </a:lnRef>
-          <a:fillRef idx="1">
-            <a:schemeClr val="accent1"/>
-          </a:fillRef>
-          <a:effectRef idx="0">
-            <a:schemeClr val="accent1"/>
-          </a:effectRef>
-          <a:fontRef idx="minor">
-            <a:schemeClr val="lt1"/>
-          </a:fontRef>
-        </p:style>
-        <p:txBody>
-          <a:bodyPr rtlCol="0" anchor="ctr"/>
-          <a:lstStyle/>
-          <a:p>
-            <a:pPr algn="ctr"/>
-            <a:endParaRPr lang="ko-KR" altLang="en-US"/>
-          </a:p>
-        </p:txBody>
-      </p:sp>
-      <p:sp>
-        <p:nvSpPr>
-          <p:cNvPr id="82" name="타원 81"/>
-          <p:cNvSpPr/>
-          <p:nvPr/>
-        </p:nvSpPr>
-        <p:spPr>
-          <a:xfrm>
-            <a:off x="3940409" y="2295351"/>
-            <a:ext cx="140677" cy="140677"/>
-          </a:xfrm>
-          <a:prstGeom prst="ellipse">
-            <a:avLst/>
-          </a:prstGeom>
-          <a:solidFill>
-            <a:srgbClr val="FF0000"/>
-          </a:solidFill>
-          <a:ln>
-            <a:solidFill>
-              <a:srgbClr val="FF0000"/>
-            </a:solidFill>
-          </a:ln>
-        </p:spPr>
-        <p:style>
-          <a:lnRef idx="2">
-            <a:schemeClr val="accent1">
-              <a:shade val="50000"/>
-            </a:schemeClr>
-          </a:lnRef>
-          <a:fillRef idx="1">
-            <a:schemeClr val="accent1"/>
-          </a:fillRef>
-          <a:effectRef idx="0">
-            <a:schemeClr val="accent1"/>
-          </a:effectRef>
-          <a:fontRef idx="minor">
-            <a:schemeClr val="lt1"/>
-          </a:fontRef>
-        </p:style>
-        <p:txBody>
-          <a:bodyPr rtlCol="0" anchor="ctr"/>
-          <a:lstStyle/>
-          <a:p>
-            <a:pPr algn="ctr"/>
-            <a:endParaRPr lang="ko-KR" altLang="en-US"/>
-          </a:p>
-        </p:txBody>
-      </p:sp>
-      <p:sp>
-        <p:nvSpPr>
-          <p:cNvPr id="83" name="직사각형 82"/>
-          <p:cNvSpPr/>
-          <p:nvPr/>
-        </p:nvSpPr>
-        <p:spPr>
-          <a:xfrm>
-            <a:off x="4241409" y="2275182"/>
-            <a:ext cx="84406" cy="172384"/>
-          </a:xfrm>
-          <a:prstGeom prst="rect">
-            <a:avLst/>
-          </a:prstGeom>
-          <a:solidFill>
-            <a:srgbClr val="0070C0"/>
-          </a:solidFill>
-          <a:ln>
-            <a:solidFill>
-              <a:srgbClr val="0070C0"/>
-            </a:solidFill>
-          </a:ln>
-        </p:spPr>
-        <p:style>
-          <a:lnRef idx="2">
-            <a:schemeClr val="accent1">
-              <a:shade val="50000"/>
-            </a:schemeClr>
-          </a:lnRef>
-          <a:fillRef idx="1">
-            <a:schemeClr val="accent1"/>
-          </a:fillRef>
-          <a:effectRef idx="0">
-            <a:schemeClr val="accent1"/>
-          </a:effectRef>
-          <a:fontRef idx="minor">
-            <a:schemeClr val="lt1"/>
-          </a:fontRef>
-        </p:style>
-        <p:txBody>
-          <a:bodyPr rtlCol="0" anchor="ctr"/>
-          <a:lstStyle/>
-          <a:p>
-            <a:pPr algn="ctr"/>
-            <a:endParaRPr lang="ko-KR" altLang="en-US"/>
-          </a:p>
-        </p:txBody>
-      </p:sp>
-      <p:sp>
-        <p:nvSpPr>
-          <p:cNvPr id="84" name="직사각형 83"/>
-          <p:cNvSpPr/>
-          <p:nvPr/>
-        </p:nvSpPr>
-        <p:spPr>
-          <a:xfrm>
-            <a:off x="3948333" y="2581952"/>
-            <a:ext cx="84406" cy="172384"/>
-          </a:xfrm>
-          <a:prstGeom prst="rect">
-            <a:avLst/>
-          </a:prstGeom>
-          <a:solidFill>
-            <a:srgbClr val="0070C0"/>
-          </a:solidFill>
-          <a:ln>
-            <a:solidFill>
-              <a:srgbClr val="0070C0"/>
-            </a:solidFill>
-          </a:ln>
-        </p:spPr>
-        <p:style>
-          <a:lnRef idx="2">
-            <a:schemeClr val="accent1">
-              <a:shade val="50000"/>
-            </a:schemeClr>
-          </a:lnRef>
-          <a:fillRef idx="1">
-            <a:schemeClr val="accent1"/>
-          </a:fillRef>
-          <a:effectRef idx="0">
-            <a:schemeClr val="accent1"/>
-          </a:effectRef>
-          <a:fontRef idx="minor">
-            <a:schemeClr val="lt1"/>
-          </a:fontRef>
-        </p:style>
-        <p:txBody>
-          <a:bodyPr rtlCol="0" anchor="ctr"/>
-          <a:lstStyle/>
-          <a:p>
-            <a:pPr algn="ctr"/>
-            <a:endParaRPr lang="ko-KR" altLang="en-US"/>
-          </a:p>
-        </p:txBody>
-      </p:sp>
-      <p:sp>
-        <p:nvSpPr>
-          <p:cNvPr id="85" name="직사각형 84"/>
-          <p:cNvSpPr/>
-          <p:nvPr/>
-        </p:nvSpPr>
-        <p:spPr>
-          <a:xfrm>
-            <a:off x="4269544" y="2621283"/>
-            <a:ext cx="84406" cy="172384"/>
-          </a:xfrm>
-          <a:prstGeom prst="rect">
-            <a:avLst/>
-          </a:prstGeom>
-          <a:solidFill>
-            <a:srgbClr val="0070C0"/>
-          </a:solidFill>
-          <a:ln>
-            <a:solidFill>
-              <a:srgbClr val="0070C0"/>
-            </a:solidFill>
-          </a:ln>
-        </p:spPr>
-        <p:style>
-          <a:lnRef idx="2">
-            <a:schemeClr val="accent1">
-              <a:shade val="50000"/>
-            </a:schemeClr>
-          </a:lnRef>
-          <a:fillRef idx="1">
-            <a:schemeClr val="accent1"/>
-          </a:fillRef>
-          <a:effectRef idx="0">
-            <a:schemeClr val="accent1"/>
-          </a:effectRef>
-          <a:fontRef idx="minor">
-            <a:schemeClr val="lt1"/>
-          </a:fontRef>
-        </p:style>
-        <p:txBody>
-          <a:bodyPr rtlCol="0" anchor="ctr"/>
-          <a:lstStyle/>
-          <a:p>
-            <a:pPr algn="ctr"/>
-            <a:endParaRPr lang="ko-KR" altLang="en-US"/>
-          </a:p>
-        </p:txBody>
-      </p:sp>
-      <p:sp>
-        <p:nvSpPr>
-          <p:cNvPr id="86" name="타원 85"/>
-          <p:cNvSpPr/>
-          <p:nvPr/>
-        </p:nvSpPr>
-        <p:spPr>
-          <a:xfrm>
-            <a:off x="5993374" y="2308598"/>
-            <a:ext cx="140677" cy="140677"/>
-          </a:xfrm>
-          <a:prstGeom prst="ellipse">
-            <a:avLst/>
-          </a:prstGeom>
-          <a:solidFill>
-            <a:srgbClr val="FF0000"/>
-          </a:solidFill>
-          <a:ln>
-            <a:solidFill>
-              <a:srgbClr val="FF0000"/>
-            </a:solidFill>
-          </a:ln>
-        </p:spPr>
-        <p:style>
-          <a:lnRef idx="2">
-            <a:schemeClr val="accent1">
-              <a:shade val="50000"/>
-            </a:schemeClr>
-          </a:lnRef>
-          <a:fillRef idx="1">
-            <a:schemeClr val="accent1"/>
-          </a:fillRef>
-          <a:effectRef idx="0">
-            <a:schemeClr val="accent1"/>
-          </a:effectRef>
-          <a:fontRef idx="minor">
-            <a:schemeClr val="lt1"/>
-          </a:fontRef>
-        </p:style>
-        <p:txBody>
-          <a:bodyPr rtlCol="0" anchor="ctr"/>
-          <a:lstStyle/>
-          <a:p>
-            <a:pPr algn="ctr"/>
-            <a:endParaRPr lang="ko-KR" altLang="en-US"/>
-          </a:p>
-        </p:txBody>
-      </p:sp>
-      <p:sp>
-        <p:nvSpPr>
-          <p:cNvPr id="87" name="타원 86"/>
-          <p:cNvSpPr/>
-          <p:nvPr/>
-        </p:nvSpPr>
-        <p:spPr>
-          <a:xfrm>
-            <a:off x="6258890" y="2585817"/>
-            <a:ext cx="140677" cy="140677"/>
-          </a:xfrm>
-          <a:prstGeom prst="ellipse">
-            <a:avLst/>
-          </a:prstGeom>
-          <a:solidFill>
-            <a:srgbClr val="FF0000"/>
-          </a:solidFill>
-          <a:ln>
-            <a:solidFill>
-              <a:srgbClr val="FF0000"/>
-            </a:solidFill>
-          </a:ln>
-        </p:spPr>
-        <p:style>
-          <a:lnRef idx="2">
-            <a:schemeClr val="accent1">
-              <a:shade val="50000"/>
-            </a:schemeClr>
-          </a:lnRef>
-          <a:fillRef idx="1">
-            <a:schemeClr val="accent1"/>
-          </a:fillRef>
-          <a:effectRef idx="0">
-            <a:schemeClr val="accent1"/>
-          </a:effectRef>
-          <a:fontRef idx="minor">
-            <a:schemeClr val="lt1"/>
-          </a:fontRef>
-        </p:style>
-        <p:txBody>
-          <a:bodyPr rtlCol="0" anchor="ctr"/>
-          <a:lstStyle/>
-          <a:p>
-            <a:pPr algn="ctr"/>
-            <a:endParaRPr lang="ko-KR" altLang="en-US"/>
-          </a:p>
-        </p:txBody>
-      </p:sp>
-      <p:sp>
-        <p:nvSpPr>
-          <p:cNvPr id="88" name="타원 87"/>
-          <p:cNvSpPr/>
-          <p:nvPr/>
-        </p:nvSpPr>
-        <p:spPr>
-          <a:xfrm>
-            <a:off x="6596224" y="2287574"/>
-            <a:ext cx="140677" cy="140677"/>
-          </a:xfrm>
-          <a:prstGeom prst="ellipse">
-            <a:avLst/>
-          </a:prstGeom>
-          <a:solidFill>
-            <a:srgbClr val="FF0000"/>
-          </a:solidFill>
-          <a:ln>
-            <a:solidFill>
-              <a:srgbClr val="FF0000"/>
-            </a:solidFill>
-          </a:ln>
-        </p:spPr>
-        <p:style>
-          <a:lnRef idx="2">
-            <a:schemeClr val="accent1">
-              <a:shade val="50000"/>
-            </a:schemeClr>
-          </a:lnRef>
-          <a:fillRef idx="1">
-            <a:schemeClr val="accent1"/>
-          </a:fillRef>
-          <a:effectRef idx="0">
-            <a:schemeClr val="accent1"/>
-          </a:effectRef>
-          <a:fontRef idx="minor">
-            <a:schemeClr val="lt1"/>
-          </a:fontRef>
-        </p:style>
-        <p:txBody>
-          <a:bodyPr rtlCol="0" anchor="ctr"/>
-          <a:lstStyle/>
-          <a:p>
-            <a:pPr algn="ctr"/>
-            <a:endParaRPr lang="ko-KR" altLang="en-US"/>
-          </a:p>
-        </p:txBody>
-      </p:sp>
-      <p:sp>
-        <p:nvSpPr>
-          <p:cNvPr id="89" name="직사각형 88"/>
-          <p:cNvSpPr/>
-          <p:nvPr/>
-        </p:nvSpPr>
-        <p:spPr>
-          <a:xfrm>
-            <a:off x="5953410" y="2589594"/>
-            <a:ext cx="84406" cy="172384"/>
-          </a:xfrm>
-          <a:prstGeom prst="rect">
-            <a:avLst/>
-          </a:prstGeom>
-          <a:solidFill>
-            <a:srgbClr val="0070C0"/>
-          </a:solidFill>
-          <a:ln>
-            <a:solidFill>
-              <a:srgbClr val="0070C0"/>
-            </a:solidFill>
-          </a:ln>
-        </p:spPr>
-        <p:style>
-          <a:lnRef idx="2">
-            <a:schemeClr val="accent1">
-              <a:shade val="50000"/>
-            </a:schemeClr>
-          </a:lnRef>
-          <a:fillRef idx="1">
-            <a:schemeClr val="accent1"/>
-          </a:fillRef>
-          <a:effectRef idx="0">
-            <a:schemeClr val="accent1"/>
-          </a:effectRef>
-          <a:fontRef idx="minor">
-            <a:schemeClr val="lt1"/>
-          </a:fontRef>
-        </p:style>
-        <p:txBody>
-          <a:bodyPr rtlCol="0" anchor="ctr"/>
-          <a:lstStyle/>
-          <a:p>
-            <a:pPr algn="ctr"/>
-            <a:endParaRPr lang="ko-KR" altLang="en-US"/>
-          </a:p>
-        </p:txBody>
-      </p:sp>
-      <p:sp>
-        <p:nvSpPr>
-          <p:cNvPr id="90" name="직사각형 89"/>
-          <p:cNvSpPr/>
-          <p:nvPr/>
-        </p:nvSpPr>
-        <p:spPr>
-          <a:xfrm>
-            <a:off x="6317468" y="2249774"/>
-            <a:ext cx="84406" cy="172384"/>
-          </a:xfrm>
-          <a:prstGeom prst="rect">
-            <a:avLst/>
-          </a:prstGeom>
-          <a:solidFill>
-            <a:srgbClr val="0070C0"/>
-          </a:solidFill>
-          <a:ln>
-            <a:solidFill>
-              <a:srgbClr val="0070C0"/>
-            </a:solidFill>
-          </a:ln>
-        </p:spPr>
-        <p:style>
-          <a:lnRef idx="2">
-            <a:schemeClr val="accent1">
-              <a:shade val="50000"/>
-            </a:schemeClr>
-          </a:lnRef>
-          <a:fillRef idx="1">
-            <a:schemeClr val="accent1"/>
-          </a:fillRef>
-          <a:effectRef idx="0">
-            <a:schemeClr val="accent1"/>
-          </a:effectRef>
-          <a:fontRef idx="minor">
-            <a:schemeClr val="lt1"/>
-          </a:fontRef>
-        </p:style>
-        <p:txBody>
-          <a:bodyPr rtlCol="0" anchor="ctr"/>
-          <a:lstStyle/>
-          <a:p>
-            <a:pPr algn="ctr"/>
-            <a:endParaRPr lang="ko-KR" altLang="en-US"/>
-          </a:p>
-        </p:txBody>
-      </p:sp>
-      <p:sp>
-        <p:nvSpPr>
-          <p:cNvPr id="91" name="직사각형 90"/>
-          <p:cNvSpPr/>
-          <p:nvPr/>
-        </p:nvSpPr>
-        <p:spPr>
-          <a:xfrm>
-            <a:off x="6611120" y="2572182"/>
-            <a:ext cx="84406" cy="172384"/>
-          </a:xfrm>
-          <a:prstGeom prst="rect">
-            <a:avLst/>
-          </a:prstGeom>
-          <a:solidFill>
-            <a:srgbClr val="0070C0"/>
-          </a:solidFill>
-          <a:ln>
-            <a:solidFill>
-              <a:srgbClr val="0070C0"/>
-            </a:solidFill>
-          </a:ln>
-        </p:spPr>
-        <p:style>
-          <a:lnRef idx="2">
-            <a:schemeClr val="accent1">
-              <a:shade val="50000"/>
-            </a:schemeClr>
-          </a:lnRef>
-          <a:fillRef idx="1">
-            <a:schemeClr val="accent1"/>
-          </a:fillRef>
-          <a:effectRef idx="0">
-            <a:schemeClr val="accent1"/>
-          </a:effectRef>
-          <a:fontRef idx="minor">
-            <a:schemeClr val="lt1"/>
-          </a:fontRef>
-        </p:style>
-        <p:txBody>
-          <a:bodyPr rtlCol="0" anchor="ctr"/>
-          <a:lstStyle/>
-          <a:p>
-            <a:pPr algn="ctr"/>
-            <a:endParaRPr lang="ko-KR" altLang="en-US"/>
-          </a:p>
-        </p:txBody>
-      </p:sp>
-      <p:sp>
-        <p:nvSpPr>
-          <p:cNvPr id="92" name="타원 91"/>
-          <p:cNvSpPr/>
-          <p:nvPr/>
-        </p:nvSpPr>
-        <p:spPr>
-          <a:xfrm>
-            <a:off x="8857770" y="2581952"/>
-            <a:ext cx="140677" cy="140677"/>
-          </a:xfrm>
-          <a:prstGeom prst="ellipse">
-            <a:avLst/>
-          </a:prstGeom>
-          <a:solidFill>
-            <a:srgbClr val="FF0000"/>
-          </a:solidFill>
-          <a:ln>
-            <a:solidFill>
-              <a:srgbClr val="FF0000"/>
-            </a:solidFill>
-          </a:ln>
-        </p:spPr>
-        <p:style>
-          <a:lnRef idx="2">
-            <a:schemeClr val="accent1">
-              <a:shade val="50000"/>
-            </a:schemeClr>
-          </a:lnRef>
-          <a:fillRef idx="1">
-            <a:schemeClr val="accent1"/>
-          </a:fillRef>
-          <a:effectRef idx="0">
-            <a:schemeClr val="accent1"/>
-          </a:effectRef>
-          <a:fontRef idx="minor">
-            <a:schemeClr val="lt1"/>
-          </a:fontRef>
-        </p:style>
-        <p:txBody>
-          <a:bodyPr rtlCol="0" anchor="ctr"/>
-          <a:lstStyle/>
-          <a:p>
-            <a:pPr algn="ctr"/>
-            <a:endParaRPr lang="ko-KR" altLang="en-US"/>
-          </a:p>
-        </p:txBody>
-      </p:sp>
-      <p:sp>
-        <p:nvSpPr>
-          <p:cNvPr id="93" name="타원 92"/>
-          <p:cNvSpPr/>
-          <p:nvPr/>
-        </p:nvSpPr>
-        <p:spPr>
-          <a:xfrm>
-            <a:off x="8152824" y="2281609"/>
-            <a:ext cx="140677" cy="140677"/>
-          </a:xfrm>
-          <a:prstGeom prst="ellipse">
-            <a:avLst/>
-          </a:prstGeom>
-          <a:solidFill>
-            <a:srgbClr val="FF0000"/>
-          </a:solidFill>
-          <a:ln>
-            <a:solidFill>
-              <a:srgbClr val="FF0000"/>
-            </a:solidFill>
-          </a:ln>
-        </p:spPr>
-        <p:style>
-          <a:lnRef idx="2">
-            <a:schemeClr val="accent1">
-              <a:shade val="50000"/>
-            </a:schemeClr>
-          </a:lnRef>
-          <a:fillRef idx="1">
-            <a:schemeClr val="accent1"/>
-          </a:fillRef>
-          <a:effectRef idx="0">
-            <a:schemeClr val="accent1"/>
-          </a:effectRef>
-          <a:fontRef idx="minor">
-            <a:schemeClr val="lt1"/>
-          </a:fontRef>
-        </p:style>
-        <p:txBody>
-          <a:bodyPr rtlCol="0" anchor="ctr"/>
-          <a:lstStyle/>
-          <a:p>
-            <a:pPr algn="ctr"/>
-            <a:endParaRPr lang="ko-KR" altLang="en-US"/>
-          </a:p>
-        </p:txBody>
-      </p:sp>
-      <p:sp>
-        <p:nvSpPr>
-          <p:cNvPr id="94" name="타원 93"/>
-          <p:cNvSpPr/>
-          <p:nvPr/>
-        </p:nvSpPr>
-        <p:spPr>
-          <a:xfrm>
-            <a:off x="8630999" y="2265627"/>
-            <a:ext cx="140677" cy="140677"/>
-          </a:xfrm>
-          <a:prstGeom prst="ellipse">
-            <a:avLst/>
-          </a:prstGeom>
-          <a:solidFill>
-            <a:srgbClr val="FF0000"/>
-          </a:solidFill>
-          <a:ln>
-            <a:solidFill>
-              <a:srgbClr val="FF0000"/>
-            </a:solidFill>
-          </a:ln>
-        </p:spPr>
-        <p:style>
-          <a:lnRef idx="2">
-            <a:schemeClr val="accent1">
-              <a:shade val="50000"/>
-            </a:schemeClr>
-          </a:lnRef>
-          <a:fillRef idx="1">
-            <a:schemeClr val="accent1"/>
-          </a:fillRef>
-          <a:effectRef idx="0">
-            <a:schemeClr val="accent1"/>
-          </a:effectRef>
-          <a:fontRef idx="minor">
-            <a:schemeClr val="lt1"/>
-          </a:fontRef>
-        </p:style>
-        <p:txBody>
-          <a:bodyPr rtlCol="0" anchor="ctr"/>
-          <a:lstStyle/>
-          <a:p>
-            <a:pPr algn="ctr"/>
-            <a:endParaRPr lang="ko-KR" altLang="en-US"/>
-          </a:p>
-        </p:txBody>
-      </p:sp>
-      <p:sp>
-        <p:nvSpPr>
-          <p:cNvPr id="95" name="직사각형 94"/>
-          <p:cNvSpPr/>
-          <p:nvPr/>
-        </p:nvSpPr>
-        <p:spPr>
-          <a:xfrm>
-            <a:off x="8211443" y="2614267"/>
-            <a:ext cx="84406" cy="172384"/>
-          </a:xfrm>
-          <a:prstGeom prst="rect">
-            <a:avLst/>
-          </a:prstGeom>
-          <a:solidFill>
-            <a:srgbClr val="0070C0"/>
-          </a:solidFill>
-          <a:ln>
-            <a:solidFill>
-              <a:srgbClr val="0070C0"/>
-            </a:solidFill>
-          </a:ln>
-        </p:spPr>
-        <p:style>
-          <a:lnRef idx="2">
-            <a:schemeClr val="accent1">
-              <a:shade val="50000"/>
-            </a:schemeClr>
-          </a:lnRef>
-          <a:fillRef idx="1">
-            <a:schemeClr val="accent1"/>
-          </a:fillRef>
-          <a:effectRef idx="0">
-            <a:schemeClr val="accent1"/>
-          </a:effectRef>
-          <a:fontRef idx="minor">
-            <a:schemeClr val="lt1"/>
-          </a:fontRef>
-        </p:style>
-        <p:txBody>
-          <a:bodyPr rtlCol="0" anchor="ctr"/>
-          <a:lstStyle/>
-          <a:p>
-            <a:pPr algn="ctr"/>
-            <a:endParaRPr lang="ko-KR" altLang="en-US"/>
-          </a:p>
-        </p:txBody>
-      </p:sp>
-      <p:sp>
-        <p:nvSpPr>
-          <p:cNvPr id="96" name="직사각형 95"/>
-          <p:cNvSpPr/>
-          <p:nvPr/>
-        </p:nvSpPr>
-        <p:spPr>
-          <a:xfrm>
-            <a:off x="8440817" y="2356265"/>
-            <a:ext cx="84406" cy="172384"/>
-          </a:xfrm>
-          <a:prstGeom prst="rect">
-            <a:avLst/>
-          </a:prstGeom>
-          <a:solidFill>
-            <a:srgbClr val="0070C0"/>
-          </a:solidFill>
-          <a:ln>
-            <a:solidFill>
-              <a:srgbClr val="0070C0"/>
-            </a:solidFill>
-          </a:ln>
-        </p:spPr>
-        <p:style>
-          <a:lnRef idx="2">
-            <a:schemeClr val="accent1">
-              <a:shade val="50000"/>
-            </a:schemeClr>
-          </a:lnRef>
-          <a:fillRef idx="1">
-            <a:schemeClr val="accent1"/>
-          </a:fillRef>
-          <a:effectRef idx="0">
-            <a:schemeClr val="accent1"/>
-          </a:effectRef>
-          <a:fontRef idx="minor">
-            <a:schemeClr val="lt1"/>
-          </a:fontRef>
-        </p:style>
-        <p:txBody>
-          <a:bodyPr rtlCol="0" anchor="ctr"/>
-          <a:lstStyle/>
-          <a:p>
-            <a:pPr algn="ctr"/>
-            <a:endParaRPr lang="ko-KR" altLang="en-US"/>
-          </a:p>
-        </p:txBody>
-      </p:sp>
-      <p:sp>
-        <p:nvSpPr>
-          <p:cNvPr id="97" name="직사각형 96"/>
-          <p:cNvSpPr/>
-          <p:nvPr/>
-        </p:nvSpPr>
-        <p:spPr>
-          <a:xfrm>
-            <a:off x="8630999" y="2581952"/>
-            <a:ext cx="84406" cy="172384"/>
-          </a:xfrm>
-          <a:prstGeom prst="rect">
-            <a:avLst/>
-          </a:prstGeom>
-          <a:solidFill>
-            <a:srgbClr val="0070C0"/>
-          </a:solidFill>
-          <a:ln>
-            <a:solidFill>
-              <a:srgbClr val="0070C0"/>
-            </a:solidFill>
-          </a:ln>
-        </p:spPr>
-        <p:style>
-          <a:lnRef idx="2">
-            <a:schemeClr val="accent1">
-              <a:shade val="50000"/>
-            </a:schemeClr>
-          </a:lnRef>
-          <a:fillRef idx="1">
-            <a:schemeClr val="accent1"/>
-          </a:fillRef>
-          <a:effectRef idx="0">
-            <a:schemeClr val="accent1"/>
-          </a:effectRef>
-          <a:fontRef idx="minor">
-            <a:schemeClr val="lt1"/>
-          </a:fontRef>
-        </p:style>
-        <p:txBody>
-          <a:bodyPr rtlCol="0" anchor="ctr"/>
-          <a:lstStyle/>
-          <a:p>
-            <a:pPr algn="ctr"/>
-            <a:endParaRPr lang="ko-KR" altLang="en-US"/>
-          </a:p>
-        </p:txBody>
-      </p:sp>
-      <p:cxnSp>
-        <p:nvCxnSpPr>
-          <p:cNvPr id="99" name="직선 화살표 연결선 98"/>
-          <p:cNvCxnSpPr/>
-          <p:nvPr/>
-        </p:nvCxnSpPr>
-        <p:spPr>
-          <a:xfrm flipV="1">
-            <a:off x="1871003" y="1631852"/>
-            <a:ext cx="0" cy="337625"/>
-          </a:xfrm>
-          <a:prstGeom prst="straightConnector1">
-            <a:avLst/>
-          </a:prstGeom>
-          <a:ln>
-            <a:solidFill>
-              <a:schemeClr val="tx1"/>
-            </a:solidFill>
-            <a:tailEnd type="triangle"/>
-          </a:ln>
-        </p:spPr>
-        <p:style>
-          <a:lnRef idx="1">
-            <a:schemeClr val="accent1"/>
-          </a:lnRef>
-          <a:fillRef idx="0">
-            <a:schemeClr val="accent1"/>
-          </a:fillRef>
-          <a:effectRef idx="0">
-            <a:schemeClr val="accent1"/>
-          </a:effectRef>
-          <a:fontRef idx="minor">
-            <a:schemeClr val="tx1"/>
-          </a:fontRef>
-        </p:style>
-      </p:cxnSp>
-      <p:cxnSp>
-        <p:nvCxnSpPr>
-          <p:cNvPr id="100" name="직선 화살표 연결선 99"/>
-          <p:cNvCxnSpPr/>
-          <p:nvPr/>
-        </p:nvCxnSpPr>
-        <p:spPr>
-          <a:xfrm flipV="1">
-            <a:off x="4092809" y="1631852"/>
-            <a:ext cx="0" cy="337625"/>
-          </a:xfrm>
-          <a:prstGeom prst="straightConnector1">
-            <a:avLst/>
-          </a:prstGeom>
-          <a:ln>
-            <a:solidFill>
-              <a:schemeClr val="tx1"/>
-            </a:solidFill>
-            <a:tailEnd type="triangle"/>
-          </a:ln>
-        </p:spPr>
-        <p:style>
-          <a:lnRef idx="1">
-            <a:schemeClr val="accent1"/>
-          </a:lnRef>
-          <a:fillRef idx="0">
-            <a:schemeClr val="accent1"/>
-          </a:fillRef>
-          <a:effectRef idx="0">
-            <a:schemeClr val="accent1"/>
-          </a:effectRef>
-          <a:fontRef idx="minor">
-            <a:schemeClr val="tx1"/>
-          </a:fontRef>
-        </p:style>
-      </p:cxnSp>
-      <p:cxnSp>
-        <p:nvCxnSpPr>
-          <p:cNvPr id="101" name="직선 화살표 연결선 100"/>
-          <p:cNvCxnSpPr/>
-          <p:nvPr/>
-        </p:nvCxnSpPr>
-        <p:spPr>
-          <a:xfrm flipV="1">
-            <a:off x="6424014" y="1615439"/>
-            <a:ext cx="0" cy="337625"/>
-          </a:xfrm>
-          <a:prstGeom prst="straightConnector1">
-            <a:avLst/>
-          </a:prstGeom>
-          <a:ln>
-            <a:solidFill>
-              <a:schemeClr val="tx1"/>
-            </a:solidFill>
-            <a:tailEnd type="triangle"/>
-          </a:ln>
-        </p:spPr>
-        <p:style>
-          <a:lnRef idx="1">
-            <a:schemeClr val="accent1"/>
-          </a:lnRef>
-          <a:fillRef idx="0">
-            <a:schemeClr val="accent1"/>
-          </a:fillRef>
-          <a:effectRef idx="0">
-            <a:schemeClr val="accent1"/>
-          </a:effectRef>
-          <a:fontRef idx="minor">
-            <a:schemeClr val="tx1"/>
-          </a:fontRef>
-        </p:style>
-      </p:cxnSp>
-      <p:cxnSp>
-        <p:nvCxnSpPr>
-          <p:cNvPr id="102" name="직선 화살표 연결선 101"/>
-          <p:cNvCxnSpPr/>
-          <p:nvPr/>
-        </p:nvCxnSpPr>
-        <p:spPr>
-          <a:xfrm flipV="1">
-            <a:off x="8546324" y="1631852"/>
-            <a:ext cx="0" cy="337625"/>
-          </a:xfrm>
-          <a:prstGeom prst="straightConnector1">
-            <a:avLst/>
-          </a:prstGeom>
-          <a:ln>
-            <a:solidFill>
-              <a:schemeClr val="tx1"/>
-            </a:solidFill>
-            <a:tailEnd type="triangle"/>
-          </a:ln>
-        </p:spPr>
-        <p:style>
-          <a:lnRef idx="1">
-            <a:schemeClr val="accent1"/>
-          </a:lnRef>
-          <a:fillRef idx="0">
-            <a:schemeClr val="accent1"/>
-          </a:fillRef>
-          <a:effectRef idx="0">
-            <a:schemeClr val="accent1"/>
-          </a:effectRef>
-          <a:fontRef idx="minor">
-            <a:schemeClr val="tx1"/>
-          </a:fontRef>
-        </p:style>
-      </p:cxnSp>
-      <p:pic>
-        <p:nvPicPr>
-          <p:cNvPr id="103" name="그림 102"/>
-          <p:cNvPicPr>
-            <a:picLocks noChangeAspect="1"/>
-          </p:cNvPicPr>
-          <p:nvPr/>
-        </p:nvPicPr>
-        <p:blipFill>
-          <a:blip r:embed="rId2"/>
-          <a:stretch>
-            <a:fillRect/>
-          </a:stretch>
-        </p:blipFill>
-        <p:spPr>
-          <a:xfrm>
-            <a:off x="1581579" y="1033978"/>
-            <a:ext cx="571500" cy="571500"/>
-          </a:xfrm>
-          <a:prstGeom prst="rect">
-            <a:avLst/>
-          </a:prstGeom>
-        </p:spPr>
-      </p:pic>
-      <p:pic>
-        <p:nvPicPr>
-          <p:cNvPr id="104" name="그림 103"/>
-          <p:cNvPicPr>
-            <a:picLocks noChangeAspect="1"/>
-          </p:cNvPicPr>
-          <p:nvPr/>
-        </p:nvPicPr>
-        <p:blipFill>
-          <a:blip r:embed="rId3"/>
-          <a:stretch>
-            <a:fillRect/>
-          </a:stretch>
-        </p:blipFill>
-        <p:spPr>
-          <a:xfrm>
-            <a:off x="3801500" y="1065922"/>
-            <a:ext cx="552450" cy="533400"/>
-          </a:xfrm>
-          <a:prstGeom prst="rect">
-            <a:avLst/>
-          </a:prstGeom>
-        </p:spPr>
-      </p:pic>
-      <p:pic>
-        <p:nvPicPr>
-          <p:cNvPr id="105" name="그림 104"/>
-          <p:cNvPicPr>
-            <a:picLocks noChangeAspect="1"/>
-          </p:cNvPicPr>
-          <p:nvPr/>
-        </p:nvPicPr>
-        <p:blipFill>
-          <a:blip r:embed="rId4"/>
-          <a:stretch>
-            <a:fillRect/>
-          </a:stretch>
-        </p:blipFill>
-        <p:spPr>
-          <a:xfrm>
-            <a:off x="6137271" y="1031692"/>
-            <a:ext cx="533400" cy="571500"/>
-          </a:xfrm>
-          <a:prstGeom prst="rect">
-            <a:avLst/>
-          </a:prstGeom>
-        </p:spPr>
-      </p:pic>
-      <p:pic>
-        <p:nvPicPr>
-          <p:cNvPr id="106" name="그림 105"/>
-          <p:cNvPicPr>
-            <a:picLocks noChangeAspect="1"/>
-          </p:cNvPicPr>
-          <p:nvPr/>
-        </p:nvPicPr>
-        <p:blipFill>
-          <a:blip r:embed="rId5"/>
-          <a:stretch>
-            <a:fillRect/>
-          </a:stretch>
-        </p:blipFill>
-        <p:spPr>
-          <a:xfrm>
-            <a:off x="8289149" y="1017404"/>
-            <a:ext cx="514350" cy="600075"/>
-          </a:xfrm>
-          <a:prstGeom prst="rect">
-            <a:avLst/>
-          </a:prstGeom>
-        </p:spPr>
-      </p:pic>
-      <p:sp>
-        <p:nvSpPr>
-          <p:cNvPr id="107" name="TextBox 106"/>
-          <p:cNvSpPr txBox="1"/>
-          <p:nvPr/>
-        </p:nvSpPr>
-        <p:spPr>
-          <a:xfrm>
-            <a:off x="10044332" y="1065922"/>
-            <a:ext cx="1221488" cy="369332"/>
-          </a:xfrm>
-          <a:prstGeom prst="rect">
-            <a:avLst/>
-          </a:prstGeom>
-          <a:noFill/>
-        </p:spPr>
-        <p:txBody>
-          <a:bodyPr wrap="none" rtlCol="0">
-            <a:spAutoFit/>
-          </a:bodyPr>
-          <a:lstStyle/>
-          <a:p>
-            <a:r>
-              <a:rPr lang="en-US" altLang="ko-KR" dirty="0" smtClean="0"/>
-              <a:t>Predictors</a:t>
-            </a:r>
-            <a:endParaRPr lang="ko-KR" altLang="en-US" dirty="0"/>
-          </a:p>
-        </p:txBody>
-      </p:sp>
-      <p:sp>
-        <p:nvSpPr>
-          <p:cNvPr id="108" name="TextBox 107"/>
-          <p:cNvSpPr txBox="1"/>
-          <p:nvPr/>
-        </p:nvSpPr>
-        <p:spPr>
-          <a:xfrm>
-            <a:off x="7118252" y="1250588"/>
-            <a:ext cx="870751" cy="369332"/>
-          </a:xfrm>
-          <a:prstGeom prst="rect">
-            <a:avLst/>
-          </a:prstGeom>
-          <a:noFill/>
-        </p:spPr>
-        <p:txBody>
-          <a:bodyPr wrap="none" rtlCol="0">
-            <a:spAutoFit/>
-          </a:bodyPr>
-          <a:lstStyle/>
-          <a:p>
-            <a:r>
-              <a:rPr lang="en-US" altLang="ko-KR" dirty="0" smtClean="0"/>
-              <a:t>…………</a:t>
-            </a:r>
-            <a:endParaRPr lang="ko-KR" altLang="en-US" dirty="0"/>
-          </a:p>
-        </p:txBody>
-      </p:sp>
-      <p:sp>
-        <p:nvSpPr>
-          <p:cNvPr id="109" name="TextBox 108"/>
-          <p:cNvSpPr txBox="1"/>
-          <p:nvPr/>
-        </p:nvSpPr>
-        <p:spPr>
-          <a:xfrm>
-            <a:off x="6433505" y="3303223"/>
-            <a:ext cx="973343" cy="369332"/>
-          </a:xfrm>
-          <a:prstGeom prst="rect">
-            <a:avLst/>
-          </a:prstGeom>
-          <a:noFill/>
-        </p:spPr>
-        <p:txBody>
-          <a:bodyPr wrap="none" rtlCol="0">
-            <a:spAutoFit/>
-          </a:bodyPr>
-          <a:lstStyle/>
-          <a:p>
-            <a:r>
-              <a:rPr lang="en-US" altLang="ko-KR" dirty="0" smtClean="0"/>
-              <a:t>…………..</a:t>
-            </a:r>
-            <a:endParaRPr lang="ko-KR" altLang="en-US" dirty="0"/>
-          </a:p>
-        </p:txBody>
-      </p:sp>
     </p:spTree>
     <p:extLst>
       <p:ext uri="{BB962C8B-B14F-4D97-AF65-F5344CB8AC3E}">
-        <p14:creationId xmlns:p14="http://schemas.microsoft.com/office/powerpoint/2010/main" val="1235957862"/>
+        <p14:creationId xmlns:p14="http://schemas.microsoft.com/office/powerpoint/2010/main" val="1982101300"/>
       </p:ext>
     </p:extLst>
   </p:cSld>
